--- a/ApresentaçãoGoldIdeia.pptx
+++ b/ApresentaçãoGoldIdeia.pptx
@@ -9,13 +9,14 @@
     <p:sldId id="257" r:id="rId3"/>
     <p:sldId id="258" r:id="rId4"/>
     <p:sldId id="259" r:id="rId5"/>
-    <p:sldId id="260" r:id="rId6"/>
-    <p:sldId id="261" r:id="rId7"/>
-    <p:sldId id="264" r:id="rId8"/>
-    <p:sldId id="265" r:id="rId9"/>
-    <p:sldId id="266" r:id="rId10"/>
-    <p:sldId id="262" r:id="rId11"/>
-    <p:sldId id="263" r:id="rId12"/>
+    <p:sldId id="267" r:id="rId6"/>
+    <p:sldId id="260" r:id="rId7"/>
+    <p:sldId id="261" r:id="rId8"/>
+    <p:sldId id="264" r:id="rId9"/>
+    <p:sldId id="265" r:id="rId10"/>
+    <p:sldId id="266" r:id="rId11"/>
+    <p:sldId id="262" r:id="rId12"/>
+    <p:sldId id="263" r:id="rId13"/>
   </p:sldIdLst>
   <p:sldSz cx="12192000" cy="6858000"/>
   <p:notesSz cx="6858000" cy="9144000"/>
@@ -336,7 +337,7 @@
             <a:fld id="{B61BEF0D-F0BB-DE4B-95CE-6DB70DBA9567}" type="datetimeFigureOut">
               <a:rPr lang="en-US" smtClean="0"/>
               <a:pPr/>
-              <a:t>8/29/2018</a:t>
+              <a:t>9/13/2018</a:t>
             </a:fld>
             <a:endParaRPr lang="en-US" dirty="0"/>
           </a:p>
@@ -629,7 +630,7 @@
             <a:fld id="{B61BEF0D-F0BB-DE4B-95CE-6DB70DBA9567}" type="datetimeFigureOut">
               <a:rPr lang="en-US" smtClean="0"/>
               <a:pPr/>
-              <a:t>8/29/2018</a:t>
+              <a:t>9/13/2018</a:t>
             </a:fld>
             <a:endParaRPr lang="en-US" dirty="0"/>
           </a:p>
@@ -890,7 +891,7 @@
             <a:fld id="{B61BEF0D-F0BB-DE4B-95CE-6DB70DBA9567}" type="datetimeFigureOut">
               <a:rPr lang="en-US" smtClean="0"/>
               <a:pPr/>
-              <a:t>8/29/2018</a:t>
+              <a:t>9/13/2018</a:t>
             </a:fld>
             <a:endParaRPr lang="en-US" dirty="0"/>
           </a:p>
@@ -1361,7 +1362,7 @@
             <a:fld id="{B61BEF0D-F0BB-DE4B-95CE-6DB70DBA9567}" type="datetimeFigureOut">
               <a:rPr lang="en-US" smtClean="0"/>
               <a:pPr/>
-              <a:t>8/29/2018</a:t>
+              <a:t>9/13/2018</a:t>
             </a:fld>
             <a:endParaRPr lang="en-US" dirty="0"/>
           </a:p>
@@ -1543,7 +1544,7 @@
             <a:fld id="{B61BEF0D-F0BB-DE4B-95CE-6DB70DBA9567}" type="datetimeFigureOut">
               <a:rPr lang="en-US" smtClean="0"/>
               <a:pPr/>
-              <a:t>8/29/2018</a:t>
+              <a:t>9/13/2018</a:t>
             </a:fld>
             <a:endParaRPr lang="en-US" dirty="0"/>
           </a:p>
@@ -2121,7 +2122,7 @@
             <a:fld id="{B61BEF0D-F0BB-DE4B-95CE-6DB70DBA9567}" type="datetimeFigureOut">
               <a:rPr lang="en-US" smtClean="0"/>
               <a:pPr/>
-              <a:t>8/29/2018</a:t>
+              <a:t>9/13/2018</a:t>
             </a:fld>
             <a:endParaRPr lang="en-US" dirty="0"/>
           </a:p>
@@ -2455,7 +2456,7 @@
             <a:fld id="{B61BEF0D-F0BB-DE4B-95CE-6DB70DBA9567}" type="datetimeFigureOut">
               <a:rPr lang="en-US" smtClean="0"/>
               <a:pPr/>
-              <a:t>8/29/2018</a:t>
+              <a:t>9/13/2018</a:t>
             </a:fld>
             <a:endParaRPr lang="en-US" dirty="0"/>
           </a:p>
@@ -2632,7 +2633,7 @@
             <a:fld id="{B61BEF0D-F0BB-DE4B-95CE-6DB70DBA9567}" type="datetimeFigureOut">
               <a:rPr lang="en-US" smtClean="0"/>
               <a:pPr/>
-              <a:t>8/29/2018</a:t>
+              <a:t>9/13/2018</a:t>
             </a:fld>
             <a:endParaRPr lang="en-US" dirty="0"/>
           </a:p>
@@ -2814,7 +2815,7 @@
             <a:fld id="{B61BEF0D-F0BB-DE4B-95CE-6DB70DBA9567}" type="datetimeFigureOut">
               <a:rPr lang="en-US" smtClean="0"/>
               <a:pPr/>
-              <a:t>8/29/2018</a:t>
+              <a:t>9/13/2018</a:t>
             </a:fld>
             <a:endParaRPr lang="en-US" dirty="0"/>
           </a:p>
@@ -2986,7 +2987,7 @@
             <a:fld id="{B61BEF0D-F0BB-DE4B-95CE-6DB70DBA9567}" type="datetimeFigureOut">
               <a:rPr lang="en-US" smtClean="0"/>
               <a:pPr/>
-              <a:t>8/29/2018</a:t>
+              <a:t>9/13/2018</a:t>
             </a:fld>
             <a:endParaRPr lang="en-US" dirty="0"/>
           </a:p>
@@ -3245,7 +3246,7 @@
             <a:fld id="{B61BEF0D-F0BB-DE4B-95CE-6DB70DBA9567}" type="datetimeFigureOut">
               <a:rPr lang="en-US" smtClean="0"/>
               <a:pPr/>
-              <a:t>8/29/2018</a:t>
+              <a:t>9/13/2018</a:t>
             </a:fld>
             <a:endParaRPr lang="en-US" dirty="0"/>
           </a:p>
@@ -3539,7 +3540,7 @@
             <a:fld id="{B61BEF0D-F0BB-DE4B-95CE-6DB70DBA9567}" type="datetimeFigureOut">
               <a:rPr lang="en-US" smtClean="0"/>
               <a:pPr/>
-              <a:t>8/29/2018</a:t>
+              <a:t>9/13/2018</a:t>
             </a:fld>
             <a:endParaRPr lang="en-US" dirty="0"/>
           </a:p>
@@ -3971,7 +3972,7 @@
             <a:fld id="{B61BEF0D-F0BB-DE4B-95CE-6DB70DBA9567}" type="datetimeFigureOut">
               <a:rPr lang="en-US" smtClean="0"/>
               <a:pPr/>
-              <a:t>8/29/2018</a:t>
+              <a:t>9/13/2018</a:t>
             </a:fld>
             <a:endParaRPr lang="en-US" dirty="0"/>
           </a:p>
@@ -4091,7 +4092,7 @@
             <a:fld id="{B61BEF0D-F0BB-DE4B-95CE-6DB70DBA9567}" type="datetimeFigureOut">
               <a:rPr lang="en-US" smtClean="0"/>
               <a:pPr/>
-              <a:t>8/29/2018</a:t>
+              <a:t>9/13/2018</a:t>
             </a:fld>
             <a:endParaRPr lang="en-US" dirty="0"/>
           </a:p>
@@ -4188,7 +4189,7 @@
             <a:fld id="{B61BEF0D-F0BB-DE4B-95CE-6DB70DBA9567}" type="datetimeFigureOut">
               <a:rPr lang="en-US" smtClean="0"/>
               <a:pPr/>
-              <a:t>8/29/2018</a:t>
+              <a:t>9/13/2018</a:t>
             </a:fld>
             <a:endParaRPr lang="en-US" dirty="0"/>
           </a:p>
@@ -4473,7 +4474,7 @@
             <a:fld id="{B61BEF0D-F0BB-DE4B-95CE-6DB70DBA9567}" type="datetimeFigureOut">
               <a:rPr lang="en-US" smtClean="0"/>
               <a:pPr/>
-              <a:t>8/29/2018</a:t>
+              <a:t>9/13/2018</a:t>
             </a:fld>
             <a:endParaRPr lang="en-US" dirty="0"/>
           </a:p>
@@ -4766,7 +4767,7 @@
             <a:fld id="{B61BEF0D-F0BB-DE4B-95CE-6DB70DBA9567}" type="datetimeFigureOut">
               <a:rPr lang="en-US" smtClean="0"/>
               <a:pPr/>
-              <a:t>8/29/2018</a:t>
+              <a:t>9/13/2018</a:t>
             </a:fld>
             <a:endParaRPr lang="en-US" dirty="0"/>
           </a:p>
@@ -4999,7 +5000,7 @@
             <a:fld id="{B61BEF0D-F0BB-DE4B-95CE-6DB70DBA9567}" type="datetimeFigureOut">
               <a:rPr lang="en-US" smtClean="0"/>
               <a:pPr/>
-              <a:t>8/29/2018</a:t>
+              <a:t>9/13/2018</a:t>
             </a:fld>
             <a:endParaRPr lang="en-US" dirty="0"/>
           </a:p>
@@ -5911,10 +5912,10 @@
           <p:cNvPr id="8" name="Straight Connector 7">
             <a:extLst>
               <a:ext uri="{FF2B5EF4-FFF2-40B4-BE49-F238E27FC236}">
-                <a16:creationId xmlns:a16="http://schemas.microsoft.com/office/drawing/2014/main" id="{E32FBEEC-2018-4C8E-9F88-AE744C23D9A8}"/>
+                <a16:creationId xmlns:a16="http://schemas.microsoft.com/office/drawing/2014/main" xmlns="" id="{E32FBEEC-2018-4C8E-9F88-AE744C23D9A8}"/>
               </a:ext>
               <a:ext uri="{C183D7F6-B498-43B3-948B-1728B52AA6E4}">
-                <adec:decorative xmlns:adec="http://schemas.microsoft.com/office/drawing/2017/decorative" val="1"/>
+                <adec:decorative xmlns:adec="http://schemas.microsoft.com/office/drawing/2017/decorative" xmlns="" val="1"/>
               </a:ext>
             </a:extLst>
           </p:cNvPr>
@@ -5924,7 +5925,7 @@
           <p:nvPr>
             <p:extLst>
               <p:ext uri="{386F3935-93C4-4BCD-93E2-E3B085C9AB24}">
-                <p16:designElem xmlns:p16="http://schemas.microsoft.com/office/powerpoint/2015/main" val="1"/>
+                <p16:designElem xmlns:p16="http://schemas.microsoft.com/office/powerpoint/2015/main" xmlns="" val="1"/>
               </p:ext>
             </p:extLst>
           </p:nvPr>
@@ -5981,10 +5982,10 @@
           <p:cNvPr id="10" name="Rectangle 9">
             <a:extLst>
               <a:ext uri="{FF2B5EF4-FFF2-40B4-BE49-F238E27FC236}">
-                <a16:creationId xmlns:a16="http://schemas.microsoft.com/office/drawing/2014/main" id="{D3B96F23-8753-4C46-B0E7-444CF5F18BEB}"/>
+                <a16:creationId xmlns:a16="http://schemas.microsoft.com/office/drawing/2014/main" xmlns="" id="{D3B96F23-8753-4C46-B0E7-444CF5F18BEB}"/>
               </a:ext>
               <a:ext uri="{C183D7F6-B498-43B3-948B-1728B52AA6E4}">
-                <adec:decorative xmlns:adec="http://schemas.microsoft.com/office/drawing/2017/decorative" val="1"/>
+                <adec:decorative xmlns:adec="http://schemas.microsoft.com/office/drawing/2017/decorative" xmlns="" val="1"/>
               </a:ext>
             </a:extLst>
           </p:cNvPr>
@@ -5994,7 +5995,7 @@
           <p:nvPr>
             <p:extLst>
               <p:ext uri="{386F3935-93C4-4BCD-93E2-E3B085C9AB24}">
-                <p16:designElem xmlns:p16="http://schemas.microsoft.com/office/powerpoint/2015/main" val="1"/>
+                <p16:designElem xmlns:p16="http://schemas.microsoft.com/office/powerpoint/2015/main" xmlns="" val="1"/>
               </p:ext>
             </p:extLst>
           </p:nvPr>
@@ -6054,6 +6055,570 @@
 </file>
 
 <file path=ppt/slides/slide10.xml><?xml version="1.0" encoding="utf-8"?>
+<p:sld xmlns:a="http://schemas.openxmlformats.org/drawingml/2006/main" xmlns:r="http://schemas.openxmlformats.org/officeDocument/2006/relationships" xmlns:p="http://schemas.openxmlformats.org/presentationml/2006/main">
+  <p:cSld>
+    <p:spTree>
+      <p:nvGrpSpPr>
+        <p:cNvPr id="1" name=""/>
+        <p:cNvGrpSpPr/>
+        <p:nvPr/>
+      </p:nvGrpSpPr>
+      <p:grpSpPr>
+        <a:xfrm>
+          <a:off x="0" y="0"/>
+          <a:ext cx="0" cy="0"/>
+          <a:chOff x="0" y="0"/>
+          <a:chExt cx="0" cy="0"/>
+        </a:xfrm>
+      </p:grpSpPr>
+      <p:graphicFrame>
+        <p:nvGraphicFramePr>
+          <p:cNvPr id="2" name="Tabela 1">
+            <a:extLst>
+              <a:ext uri="{FF2B5EF4-FFF2-40B4-BE49-F238E27FC236}">
+                <a16:creationId xmlns:a16="http://schemas.microsoft.com/office/drawing/2014/main" xmlns="" id="{3C5ECEE6-1BBC-4A5E-9BB5-508FB89C26EE}"/>
+              </a:ext>
+            </a:extLst>
+          </p:cNvPr>
+          <p:cNvGraphicFramePr>
+            <a:graphicFrameLocks noGrp="1"/>
+          </p:cNvGraphicFramePr>
+          <p:nvPr>
+            <p:extLst>
+              <p:ext uri="{D42A27DB-BD31-4B8C-83A1-F6EECF244321}">
+                <p14:modId xmlns:p14="http://schemas.microsoft.com/office/powerpoint/2010/main" val="1000344807"/>
+              </p:ext>
+            </p:extLst>
+          </p:nvPr>
+        </p:nvGraphicFramePr>
+        <p:xfrm>
+          <a:off x="591820" y="2316480"/>
+          <a:ext cx="5260340" cy="2225040"/>
+        </p:xfrm>
+        <a:graphic>
+          <a:graphicData uri="http://schemas.openxmlformats.org/drawingml/2006/table">
+            <a:tbl>
+              <a:tblPr firstRow="1" bandRow="1">
+                <a:tableStyleId>{5C22544A-7EE6-4342-B048-85BDC9FD1C3A}</a:tableStyleId>
+              </a:tblPr>
+              <a:tblGrid>
+                <a:gridCol w="2630170">
+                  <a:extLst>
+                    <a:ext uri="{9D8B030D-6E8A-4147-A177-3AD203B41FA5}">
+                      <a16:colId xmlns:a16="http://schemas.microsoft.com/office/drawing/2014/main" xmlns="" val="2305028019"/>
+                    </a:ext>
+                  </a:extLst>
+                </a:gridCol>
+                <a:gridCol w="2630170">
+                  <a:extLst>
+                    <a:ext uri="{9D8B030D-6E8A-4147-A177-3AD203B41FA5}">
+                      <a16:colId xmlns:a16="http://schemas.microsoft.com/office/drawing/2014/main" xmlns="" val="207135817"/>
+                    </a:ext>
+                  </a:extLst>
+                </a:gridCol>
+              </a:tblGrid>
+              <a:tr h="370840">
+                <a:tc>
+                  <a:txBody>
+                    <a:bodyPr/>
+                    <a:lstStyle/>
+                    <a:p>
+                      <a:r>
+                        <a:rPr lang="pt-BR" dirty="0" err="1"/>
+                        <a:t>Tbl_TipoIdeia</a:t>
+                      </a:r>
+                      <a:endParaRPr lang="pt-BR" dirty="0"/>
+                    </a:p>
+                  </a:txBody>
+                  <a:tcPr/>
+                </a:tc>
+                <a:tc>
+                  <a:txBody>
+                    <a:bodyPr/>
+                    <a:lstStyle/>
+                    <a:p>
+                      <a:endParaRPr lang="pt-BR" dirty="0"/>
+                    </a:p>
+                  </a:txBody>
+                  <a:tcPr/>
+                </a:tc>
+                <a:extLst>
+                  <a:ext uri="{0D108BD9-81ED-4DB2-BD59-A6C34878D82A}">
+                    <a16:rowId xmlns:a16="http://schemas.microsoft.com/office/drawing/2014/main" xmlns="" val="2413227068"/>
+                  </a:ext>
+                </a:extLst>
+              </a:tr>
+              <a:tr h="370840">
+                <a:tc>
+                  <a:txBody>
+                    <a:bodyPr/>
+                    <a:lstStyle/>
+                    <a:p>
+                      <a:r>
+                        <a:rPr lang="pt-BR" dirty="0" err="1"/>
+                        <a:t>Tpi_cod</a:t>
+                      </a:r>
+                      <a:endParaRPr lang="pt-BR" dirty="0"/>
+                    </a:p>
+                  </a:txBody>
+                  <a:tcPr/>
+                </a:tc>
+                <a:tc>
+                  <a:txBody>
+                    <a:bodyPr/>
+                    <a:lstStyle/>
+                    <a:p>
+                      <a:r>
+                        <a:rPr lang="pt-BR" dirty="0"/>
+                        <a:t>Gerado automático</a:t>
+                      </a:r>
+                    </a:p>
+                  </a:txBody>
+                  <a:tcPr/>
+                </a:tc>
+                <a:extLst>
+                  <a:ext uri="{0D108BD9-81ED-4DB2-BD59-A6C34878D82A}">
+                    <a16:rowId xmlns:a16="http://schemas.microsoft.com/office/drawing/2014/main" xmlns="" val="2877848138"/>
+                  </a:ext>
+                </a:extLst>
+              </a:tr>
+              <a:tr h="370840">
+                <a:tc>
+                  <a:txBody>
+                    <a:bodyPr/>
+                    <a:lstStyle/>
+                    <a:p>
+                      <a:r>
+                        <a:rPr lang="pt-BR" dirty="0" err="1"/>
+                        <a:t>Tpi_nome</a:t>
+                      </a:r>
+                      <a:endParaRPr lang="pt-BR" dirty="0"/>
+                    </a:p>
+                  </a:txBody>
+                  <a:tcPr/>
+                </a:tc>
+                <a:tc>
+                  <a:txBody>
+                    <a:bodyPr/>
+                    <a:lstStyle/>
+                    <a:p>
+                      <a:r>
+                        <a:rPr lang="pt-BR" dirty="0" err="1"/>
+                        <a:t>Adimin</a:t>
+                      </a:r>
+                      <a:endParaRPr lang="pt-BR" dirty="0"/>
+                    </a:p>
+                  </a:txBody>
+                  <a:tcPr/>
+                </a:tc>
+                <a:extLst>
+                  <a:ext uri="{0D108BD9-81ED-4DB2-BD59-A6C34878D82A}">
+                    <a16:rowId xmlns:a16="http://schemas.microsoft.com/office/drawing/2014/main" xmlns="" val="416077864"/>
+                  </a:ext>
+                </a:extLst>
+              </a:tr>
+              <a:tr h="370840">
+                <a:tc>
+                  <a:txBody>
+                    <a:bodyPr/>
+                    <a:lstStyle/>
+                    <a:p>
+                      <a:r>
+                        <a:rPr lang="pt-BR" dirty="0" err="1"/>
+                        <a:t>Tpi_decricao</a:t>
+                      </a:r>
+                      <a:endParaRPr lang="pt-BR" dirty="0"/>
+                    </a:p>
+                  </a:txBody>
+                  <a:tcPr/>
+                </a:tc>
+                <a:tc>
+                  <a:txBody>
+                    <a:bodyPr/>
+                    <a:lstStyle/>
+                    <a:p>
+                      <a:r>
+                        <a:rPr lang="pt-BR" dirty="0"/>
+                        <a:t>Admin</a:t>
+                      </a:r>
+                    </a:p>
+                  </a:txBody>
+                  <a:tcPr/>
+                </a:tc>
+                <a:extLst>
+                  <a:ext uri="{0D108BD9-81ED-4DB2-BD59-A6C34878D82A}">
+                    <a16:rowId xmlns:a16="http://schemas.microsoft.com/office/drawing/2014/main" xmlns="" val="2762678463"/>
+                  </a:ext>
+                </a:extLst>
+              </a:tr>
+              <a:tr h="370840">
+                <a:tc>
+                  <a:txBody>
+                    <a:bodyPr/>
+                    <a:lstStyle/>
+                    <a:p>
+                      <a:r>
+                        <a:rPr lang="pt-BR" dirty="0" err="1"/>
+                        <a:t>Tpi_acesso</a:t>
+                      </a:r>
+                      <a:endParaRPr lang="pt-BR" dirty="0"/>
+                    </a:p>
+                  </a:txBody>
+                  <a:tcPr/>
+                </a:tc>
+                <a:tc>
+                  <a:txBody>
+                    <a:bodyPr/>
+                    <a:lstStyle/>
+                    <a:p>
+                      <a:r>
+                        <a:rPr lang="pt-BR" dirty="0"/>
+                        <a:t>exportado</a:t>
+                      </a:r>
+                    </a:p>
+                  </a:txBody>
+                  <a:tcPr/>
+                </a:tc>
+                <a:extLst>
+                  <a:ext uri="{0D108BD9-81ED-4DB2-BD59-A6C34878D82A}">
+                    <a16:rowId xmlns:a16="http://schemas.microsoft.com/office/drawing/2014/main" xmlns="" val="3678676757"/>
+                  </a:ext>
+                </a:extLst>
+              </a:tr>
+              <a:tr h="370840">
+                <a:tc>
+                  <a:txBody>
+                    <a:bodyPr/>
+                    <a:lstStyle/>
+                    <a:p>
+                      <a:endParaRPr lang="pt-BR"/>
+                    </a:p>
+                  </a:txBody>
+                  <a:tcPr/>
+                </a:tc>
+                <a:tc>
+                  <a:txBody>
+                    <a:bodyPr/>
+                    <a:lstStyle/>
+                    <a:p>
+                      <a:endParaRPr lang="pt-BR" dirty="0"/>
+                    </a:p>
+                  </a:txBody>
+                  <a:tcPr/>
+                </a:tc>
+                <a:extLst>
+                  <a:ext uri="{0D108BD9-81ED-4DB2-BD59-A6C34878D82A}">
+                    <a16:rowId xmlns:a16="http://schemas.microsoft.com/office/drawing/2014/main" xmlns="" val="689332446"/>
+                  </a:ext>
+                </a:extLst>
+              </a:tr>
+            </a:tbl>
+          </a:graphicData>
+        </a:graphic>
+      </p:graphicFrame>
+      <p:graphicFrame>
+        <p:nvGraphicFramePr>
+          <p:cNvPr id="3" name="Tabela 2">
+            <a:extLst>
+              <a:ext uri="{FF2B5EF4-FFF2-40B4-BE49-F238E27FC236}">
+                <a16:creationId xmlns:a16="http://schemas.microsoft.com/office/drawing/2014/main" xmlns="" id="{9F7B311C-15C9-499D-89D0-FD759359C0C7}"/>
+              </a:ext>
+            </a:extLst>
+          </p:cNvPr>
+          <p:cNvGraphicFramePr>
+            <a:graphicFrameLocks noGrp="1"/>
+          </p:cNvGraphicFramePr>
+          <p:nvPr>
+            <p:extLst>
+              <p:ext uri="{D42A27DB-BD31-4B8C-83A1-F6EECF244321}">
+                <p14:modId xmlns:p14="http://schemas.microsoft.com/office/powerpoint/2010/main" val="562356074"/>
+              </p:ext>
+            </p:extLst>
+          </p:nvPr>
+        </p:nvGraphicFramePr>
+        <p:xfrm>
+          <a:off x="6339840" y="2316480"/>
+          <a:ext cx="5260340" cy="2494280"/>
+        </p:xfrm>
+        <a:graphic>
+          <a:graphicData uri="http://schemas.openxmlformats.org/drawingml/2006/table">
+            <a:tbl>
+              <a:tblPr firstRow="1" bandRow="1">
+                <a:tableStyleId>{5C22544A-7EE6-4342-B048-85BDC9FD1C3A}</a:tableStyleId>
+              </a:tblPr>
+              <a:tblGrid>
+                <a:gridCol w="2630170">
+                  <a:extLst>
+                    <a:ext uri="{9D8B030D-6E8A-4147-A177-3AD203B41FA5}">
+                      <a16:colId xmlns:a16="http://schemas.microsoft.com/office/drawing/2014/main" xmlns="" val="2305028019"/>
+                    </a:ext>
+                  </a:extLst>
+                </a:gridCol>
+                <a:gridCol w="2630170">
+                  <a:extLst>
+                    <a:ext uri="{9D8B030D-6E8A-4147-A177-3AD203B41FA5}">
+                      <a16:colId xmlns:a16="http://schemas.microsoft.com/office/drawing/2014/main" xmlns="" val="207135817"/>
+                    </a:ext>
+                  </a:extLst>
+                </a:gridCol>
+              </a:tblGrid>
+              <a:tr h="370840">
+                <a:tc>
+                  <a:txBody>
+                    <a:bodyPr/>
+                    <a:lstStyle/>
+                    <a:p>
+                      <a:r>
+                        <a:rPr lang="pt-BR" dirty="0" err="1"/>
+                        <a:t>Tbl_Investimento</a:t>
+                      </a:r>
+                      <a:endParaRPr lang="pt-BR" dirty="0"/>
+                    </a:p>
+                  </a:txBody>
+                  <a:tcPr/>
+                </a:tc>
+                <a:tc>
+                  <a:txBody>
+                    <a:bodyPr/>
+                    <a:lstStyle/>
+                    <a:p>
+                      <a:endParaRPr lang="pt-BR" dirty="0"/>
+                    </a:p>
+                  </a:txBody>
+                  <a:tcPr/>
+                </a:tc>
+                <a:extLst>
+                  <a:ext uri="{0D108BD9-81ED-4DB2-BD59-A6C34878D82A}">
+                    <a16:rowId xmlns:a16="http://schemas.microsoft.com/office/drawing/2014/main" xmlns="" val="2413227068"/>
+                  </a:ext>
+                </a:extLst>
+              </a:tr>
+              <a:tr h="370840">
+                <a:tc>
+                  <a:txBody>
+                    <a:bodyPr/>
+                    <a:lstStyle/>
+                    <a:p>
+                      <a:r>
+                        <a:rPr lang="pt-BR" dirty="0" err="1"/>
+                        <a:t>Inv_cod</a:t>
+                      </a:r>
+                      <a:endParaRPr lang="pt-BR" dirty="0"/>
+                    </a:p>
+                  </a:txBody>
+                  <a:tcPr/>
+                </a:tc>
+                <a:tc>
+                  <a:txBody>
+                    <a:bodyPr/>
+                    <a:lstStyle/>
+                    <a:p>
+                      <a:r>
+                        <a:rPr lang="pt-BR" dirty="0"/>
+                        <a:t>Gerado automaticamente</a:t>
+                      </a:r>
+                    </a:p>
+                  </a:txBody>
+                  <a:tcPr/>
+                </a:tc>
+                <a:extLst>
+                  <a:ext uri="{0D108BD9-81ED-4DB2-BD59-A6C34878D82A}">
+                    <a16:rowId xmlns:a16="http://schemas.microsoft.com/office/drawing/2014/main" xmlns="" val="2877848138"/>
+                  </a:ext>
+                </a:extLst>
+              </a:tr>
+              <a:tr h="370840">
+                <a:tc>
+                  <a:txBody>
+                    <a:bodyPr/>
+                    <a:lstStyle/>
+                    <a:p>
+                      <a:r>
+                        <a:rPr lang="pt-BR" dirty="0" err="1"/>
+                        <a:t>Inv_User</a:t>
+                      </a:r>
+                      <a:endParaRPr lang="pt-BR" dirty="0"/>
+                    </a:p>
+                  </a:txBody>
+                  <a:tcPr/>
+                </a:tc>
+                <a:tc>
+                  <a:txBody>
+                    <a:bodyPr/>
+                    <a:lstStyle/>
+                    <a:p>
+                      <a:r>
+                        <a:rPr lang="pt-BR" dirty="0"/>
+                        <a:t>Exportado</a:t>
+                      </a:r>
+                    </a:p>
+                  </a:txBody>
+                  <a:tcPr/>
+                </a:tc>
+                <a:extLst>
+                  <a:ext uri="{0D108BD9-81ED-4DB2-BD59-A6C34878D82A}">
+                    <a16:rowId xmlns:a16="http://schemas.microsoft.com/office/drawing/2014/main" xmlns="" val="416077864"/>
+                  </a:ext>
+                </a:extLst>
+              </a:tr>
+              <a:tr h="370840">
+                <a:tc>
+                  <a:txBody>
+                    <a:bodyPr/>
+                    <a:lstStyle/>
+                    <a:p>
+                      <a:r>
+                        <a:rPr lang="pt-BR" dirty="0" err="1"/>
+                        <a:t>Inv_ideia</a:t>
+                      </a:r>
+                      <a:endParaRPr lang="pt-BR" dirty="0"/>
+                    </a:p>
+                  </a:txBody>
+                  <a:tcPr/>
+                </a:tc>
+                <a:tc>
+                  <a:txBody>
+                    <a:bodyPr/>
+                    <a:lstStyle/>
+                    <a:p>
+                      <a:r>
+                        <a:rPr lang="pt-BR" dirty="0"/>
+                        <a:t>Exportado</a:t>
+                      </a:r>
+                    </a:p>
+                  </a:txBody>
+                  <a:tcPr/>
+                </a:tc>
+                <a:extLst>
+                  <a:ext uri="{0D108BD9-81ED-4DB2-BD59-A6C34878D82A}">
+                    <a16:rowId xmlns:a16="http://schemas.microsoft.com/office/drawing/2014/main" xmlns="" val="2762678463"/>
+                  </a:ext>
+                </a:extLst>
+              </a:tr>
+              <a:tr h="370840">
+                <a:tc>
+                  <a:txBody>
+                    <a:bodyPr/>
+                    <a:lstStyle/>
+                    <a:p>
+                      <a:r>
+                        <a:rPr lang="pt-BR" dirty="0" err="1"/>
+                        <a:t>Inv_valor</a:t>
+                      </a:r>
+                      <a:endParaRPr lang="pt-BR" dirty="0"/>
+                    </a:p>
+                  </a:txBody>
+                  <a:tcPr/>
+                </a:tc>
+                <a:tc>
+                  <a:txBody>
+                    <a:bodyPr/>
+                    <a:lstStyle/>
+                    <a:p>
+                      <a:r>
+                        <a:rPr lang="pt-BR" dirty="0"/>
+                        <a:t>Usuário</a:t>
+                      </a:r>
+                    </a:p>
+                  </a:txBody>
+                  <a:tcPr/>
+                </a:tc>
+                <a:extLst>
+                  <a:ext uri="{0D108BD9-81ED-4DB2-BD59-A6C34878D82A}">
+                    <a16:rowId xmlns:a16="http://schemas.microsoft.com/office/drawing/2014/main" xmlns="" val="3678676757"/>
+                  </a:ext>
+                </a:extLst>
+              </a:tr>
+              <a:tr h="370840">
+                <a:tc>
+                  <a:txBody>
+                    <a:bodyPr/>
+                    <a:lstStyle/>
+                    <a:p>
+                      <a:endParaRPr lang="pt-BR"/>
+                    </a:p>
+                  </a:txBody>
+                  <a:tcPr/>
+                </a:tc>
+                <a:tc>
+                  <a:txBody>
+                    <a:bodyPr/>
+                    <a:lstStyle/>
+                    <a:p>
+                      <a:endParaRPr lang="pt-BR" dirty="0"/>
+                    </a:p>
+                  </a:txBody>
+                  <a:tcPr/>
+                </a:tc>
+                <a:extLst>
+                  <a:ext uri="{0D108BD9-81ED-4DB2-BD59-A6C34878D82A}">
+                    <a16:rowId xmlns:a16="http://schemas.microsoft.com/office/drawing/2014/main" xmlns="" val="689332446"/>
+                  </a:ext>
+                </a:extLst>
+              </a:tr>
+            </a:tbl>
+          </a:graphicData>
+        </a:graphic>
+      </p:graphicFrame>
+      <p:sp>
+        <p:nvSpPr>
+          <p:cNvPr id="4" name="Triângulo isósceles 3">
+            <a:hlinkClick r:id="rId2" action="ppaction://hlinksldjump"/>
+            <a:extLst>
+              <a:ext uri="{FF2B5EF4-FFF2-40B4-BE49-F238E27FC236}">
+                <a16:creationId xmlns:a16="http://schemas.microsoft.com/office/drawing/2014/main" xmlns="" id="{1F383500-EE8B-4E4B-914E-F4AC3A4B599A}"/>
+              </a:ext>
+            </a:extLst>
+          </p:cNvPr>
+          <p:cNvSpPr/>
+          <p:nvPr/>
+        </p:nvSpPr>
+        <p:spPr>
+          <a:xfrm rot="16200000">
+            <a:off x="947531" y="5442152"/>
+            <a:ext cx="781878" cy="834887"/>
+          </a:xfrm>
+          <a:prstGeom prst="triangle">
+            <a:avLst/>
+          </a:prstGeom>
+        </p:spPr>
+        <p:style>
+          <a:lnRef idx="2">
+            <a:schemeClr val="accent6"/>
+          </a:lnRef>
+          <a:fillRef idx="1">
+            <a:schemeClr val="lt1"/>
+          </a:fillRef>
+          <a:effectRef idx="0">
+            <a:schemeClr val="accent6"/>
+          </a:effectRef>
+          <a:fontRef idx="minor">
+            <a:schemeClr val="dk1"/>
+          </a:fontRef>
+        </p:style>
+        <p:txBody>
+          <a:bodyPr rtlCol="0" anchor="ctr"/>
+          <a:lstStyle/>
+          <a:p>
+            <a:pPr algn="ctr"/>
+            <a:endParaRPr lang="pt-BR"/>
+          </a:p>
+        </p:txBody>
+      </p:sp>
+    </p:spTree>
+    <p:extLst>
+      <p:ext uri="{BB962C8B-B14F-4D97-AF65-F5344CB8AC3E}">
+        <p14:creationId xmlns:p14="http://schemas.microsoft.com/office/powerpoint/2010/main" val="3784775566"/>
+      </p:ext>
+    </p:extLst>
+  </p:cSld>
+  <p:clrMapOvr>
+    <a:masterClrMapping/>
+  </p:clrMapOvr>
+</p:sld>
+</file>
+
+<file path=ppt/slides/slide11.xml><?xml version="1.0" encoding="utf-8"?>
 <p:sld xmlns:a="http://schemas.openxmlformats.org/drawingml/2006/main" xmlns:r="http://schemas.openxmlformats.org/officeDocument/2006/relationships" xmlns:p="http://schemas.openxmlformats.org/presentationml/2006/main">
   <p:cSld>
     <p:bg>
@@ -6099,7 +6664,7 @@
           <p:cNvPr id="2" name="Título 1">
             <a:extLst>
               <a:ext uri="{FF2B5EF4-FFF2-40B4-BE49-F238E27FC236}">
-                <a16:creationId xmlns:a16="http://schemas.microsoft.com/office/drawing/2014/main" id="{C31FD231-86C0-4DCF-9A58-0797EB3388F1}"/>
+                <a16:creationId xmlns:a16="http://schemas.microsoft.com/office/drawing/2014/main" xmlns="" id="{C31FD231-86C0-4DCF-9A58-0797EB3388F1}"/>
               </a:ext>
             </a:extLst>
           </p:cNvPr>
@@ -6150,7 +6715,7 @@
           <p:cNvPr id="5" name="Espaço Reservado para Conteúdo 4">
             <a:extLst>
               <a:ext uri="{FF2B5EF4-FFF2-40B4-BE49-F238E27FC236}">
-                <a16:creationId xmlns:a16="http://schemas.microsoft.com/office/drawing/2014/main" id="{D9FBCD95-1556-42DA-A664-4804111118FA}"/>
+                <a16:creationId xmlns:a16="http://schemas.microsoft.com/office/drawing/2014/main" xmlns="" id="{D9FBCD95-1556-42DA-A664-4804111118FA}"/>
               </a:ext>
             </a:extLst>
           </p:cNvPr>
@@ -6215,7 +6780,7 @@
 </p:sld>
 </file>
 
-<file path=ppt/slides/slide11.xml><?xml version="1.0" encoding="utf-8"?>
+<file path=ppt/slides/slide12.xml><?xml version="1.0" encoding="utf-8"?>
 <p:sld xmlns:a="http://schemas.openxmlformats.org/drawingml/2006/main" xmlns:r="http://schemas.openxmlformats.org/officeDocument/2006/relationships" xmlns:p="http://schemas.openxmlformats.org/presentationml/2006/main">
   <p:cSld>
     <p:bg>
@@ -6261,7 +6826,7 @@
           <p:cNvPr id="2" name="Título 1">
             <a:extLst>
               <a:ext uri="{FF2B5EF4-FFF2-40B4-BE49-F238E27FC236}">
-                <a16:creationId xmlns:a16="http://schemas.microsoft.com/office/drawing/2014/main" id="{B8774DE1-22BF-43B5-AF60-CDD9C99C0A6E}"/>
+                <a16:creationId xmlns:a16="http://schemas.microsoft.com/office/drawing/2014/main" xmlns="" id="{B8774DE1-22BF-43B5-AF60-CDD9C99C0A6E}"/>
               </a:ext>
             </a:extLst>
           </p:cNvPr>
@@ -6312,7 +6877,7 @@
           <p:cNvPr id="5" name="Espaço Reservado para Conteúdo 4">
             <a:extLst>
               <a:ext uri="{FF2B5EF4-FFF2-40B4-BE49-F238E27FC236}">
-                <a16:creationId xmlns:a16="http://schemas.microsoft.com/office/drawing/2014/main" id="{EC08C5A2-DE22-403D-9FAC-469BD36BCF5E}"/>
+                <a16:creationId xmlns:a16="http://schemas.microsoft.com/office/drawing/2014/main" xmlns="" id="{EC08C5A2-DE22-403D-9FAC-469BD36BCF5E}"/>
               </a:ext>
             </a:extLst>
           </p:cNvPr>
@@ -6399,7 +6964,7 @@
           <p:cNvPr id="2" name="Título 1">
             <a:extLst>
               <a:ext uri="{FF2B5EF4-FFF2-40B4-BE49-F238E27FC236}">
-                <a16:creationId xmlns:a16="http://schemas.microsoft.com/office/drawing/2014/main" id="{5A9B566E-EFD9-4251-B335-3229D85F294B}"/>
+                <a16:creationId xmlns:a16="http://schemas.microsoft.com/office/drawing/2014/main" xmlns="" id="{5A9B566E-EFD9-4251-B335-3229D85F294B}"/>
               </a:ext>
             </a:extLst>
           </p:cNvPr>
@@ -6432,7 +6997,7 @@
           <p:cNvPr id="3" name="Espaço Reservado para Conteúdo 2">
             <a:extLst>
               <a:ext uri="{FF2B5EF4-FFF2-40B4-BE49-F238E27FC236}">
-                <a16:creationId xmlns:a16="http://schemas.microsoft.com/office/drawing/2014/main" id="{B3A91722-EB39-4AE9-AE75-6BC25D6447E8}"/>
+                <a16:creationId xmlns:a16="http://schemas.microsoft.com/office/drawing/2014/main" xmlns="" id="{B3A91722-EB39-4AE9-AE75-6BC25D6447E8}"/>
               </a:ext>
             </a:extLst>
           </p:cNvPr>
@@ -6561,7 +7126,7 @@
           <p:cNvPr id="2" name="Título 1">
             <a:extLst>
               <a:ext uri="{FF2B5EF4-FFF2-40B4-BE49-F238E27FC236}">
-                <a16:creationId xmlns:a16="http://schemas.microsoft.com/office/drawing/2014/main" id="{EA468D6A-BF87-45FC-B2D2-390D3ACAF37D}"/>
+                <a16:creationId xmlns:a16="http://schemas.microsoft.com/office/drawing/2014/main" xmlns="" id="{EA468D6A-BF87-45FC-B2D2-390D3ACAF37D}"/>
               </a:ext>
             </a:extLst>
           </p:cNvPr>
@@ -6596,7 +7161,7 @@
           <p:cNvPr id="4" name="Espaço Reservado para Conteúdo 3">
             <a:extLst>
               <a:ext uri="{FF2B5EF4-FFF2-40B4-BE49-F238E27FC236}">
-                <a16:creationId xmlns:a16="http://schemas.microsoft.com/office/drawing/2014/main" id="{8403E12C-5463-4417-8FCB-F2CF8992F510}"/>
+                <a16:creationId xmlns:a16="http://schemas.microsoft.com/office/drawing/2014/main" xmlns="" id="{8403E12C-5463-4417-8FCB-F2CF8992F510}"/>
               </a:ext>
             </a:extLst>
           </p:cNvPr>
@@ -6626,28 +7191,28 @@
                 <a:gridCol w="1275091">
                   <a:extLst>
                     <a:ext uri="{9D8B030D-6E8A-4147-A177-3AD203B41FA5}">
-                      <a16:colId xmlns:a16="http://schemas.microsoft.com/office/drawing/2014/main" val="3560512703"/>
+                      <a16:colId xmlns:a16="http://schemas.microsoft.com/office/drawing/2014/main" xmlns="" val="3560512703"/>
                     </a:ext>
                   </a:extLst>
                 </a:gridCol>
                 <a:gridCol w="1315170">
                   <a:extLst>
                     <a:ext uri="{9D8B030D-6E8A-4147-A177-3AD203B41FA5}">
-                      <a16:colId xmlns:a16="http://schemas.microsoft.com/office/drawing/2014/main" val="328499197"/>
+                      <a16:colId xmlns:a16="http://schemas.microsoft.com/office/drawing/2014/main" xmlns="" val="328499197"/>
                     </a:ext>
                   </a:extLst>
                 </a:gridCol>
                 <a:gridCol w="5116394">
                   <a:extLst>
                     <a:ext uri="{9D8B030D-6E8A-4147-A177-3AD203B41FA5}">
-                      <a16:colId xmlns:a16="http://schemas.microsoft.com/office/drawing/2014/main" val="3130443286"/>
+                      <a16:colId xmlns:a16="http://schemas.microsoft.com/office/drawing/2014/main" xmlns="" val="3130443286"/>
                     </a:ext>
                   </a:extLst>
                 </a:gridCol>
                 <a:gridCol w="2199348">
                   <a:extLst>
                     <a:ext uri="{9D8B030D-6E8A-4147-A177-3AD203B41FA5}">
-                      <a16:colId xmlns:a16="http://schemas.microsoft.com/office/drawing/2014/main" val="2267226965"/>
+                      <a16:colId xmlns:a16="http://schemas.microsoft.com/office/drawing/2014/main" xmlns="" val="2267226965"/>
                     </a:ext>
                   </a:extLst>
                 </a:gridCol>
@@ -6805,7 +7370,7 @@
                 </a:tc>
                 <a:extLst>
                   <a:ext uri="{0D108BD9-81ED-4DB2-BD59-A6C34878D82A}">
-                    <a16:rowId xmlns:a16="http://schemas.microsoft.com/office/drawing/2014/main" val="1791348971"/>
+                    <a16:rowId xmlns:a16="http://schemas.microsoft.com/office/drawing/2014/main" xmlns="" val="1791348971"/>
                   </a:ext>
                 </a:extLst>
               </a:tr>
@@ -6940,7 +7505,7 @@
                 </a:tc>
                 <a:extLst>
                   <a:ext uri="{0D108BD9-81ED-4DB2-BD59-A6C34878D82A}">
-                    <a16:rowId xmlns:a16="http://schemas.microsoft.com/office/drawing/2014/main" val="2686110523"/>
+                    <a16:rowId xmlns:a16="http://schemas.microsoft.com/office/drawing/2014/main" xmlns="" val="2686110523"/>
                   </a:ext>
                 </a:extLst>
               </a:tr>
@@ -7075,7 +7640,7 @@
                 </a:tc>
                 <a:extLst>
                   <a:ext uri="{0D108BD9-81ED-4DB2-BD59-A6C34878D82A}">
-                    <a16:rowId xmlns:a16="http://schemas.microsoft.com/office/drawing/2014/main" val="1119083604"/>
+                    <a16:rowId xmlns:a16="http://schemas.microsoft.com/office/drawing/2014/main" xmlns="" val="1119083604"/>
                   </a:ext>
                 </a:extLst>
               </a:tr>
@@ -7210,7 +7775,7 @@
                 </a:tc>
                 <a:extLst>
                   <a:ext uri="{0D108BD9-81ED-4DB2-BD59-A6C34878D82A}">
-                    <a16:rowId xmlns:a16="http://schemas.microsoft.com/office/drawing/2014/main" val="837446360"/>
+                    <a16:rowId xmlns:a16="http://schemas.microsoft.com/office/drawing/2014/main" xmlns="" val="837446360"/>
                   </a:ext>
                 </a:extLst>
               </a:tr>
@@ -7345,7 +7910,7 @@
                 </a:tc>
                 <a:extLst>
                   <a:ext uri="{0D108BD9-81ED-4DB2-BD59-A6C34878D82A}">
-                    <a16:rowId xmlns:a16="http://schemas.microsoft.com/office/drawing/2014/main" val="1692772473"/>
+                    <a16:rowId xmlns:a16="http://schemas.microsoft.com/office/drawing/2014/main" xmlns="" val="1692772473"/>
                   </a:ext>
                 </a:extLst>
               </a:tr>
@@ -7480,7 +8045,7 @@
                 </a:tc>
                 <a:extLst>
                   <a:ext uri="{0D108BD9-81ED-4DB2-BD59-A6C34878D82A}">
-                    <a16:rowId xmlns:a16="http://schemas.microsoft.com/office/drawing/2014/main" val="1718865897"/>
+                    <a16:rowId xmlns:a16="http://schemas.microsoft.com/office/drawing/2014/main" xmlns="" val="1718865897"/>
                   </a:ext>
                 </a:extLst>
               </a:tr>
@@ -7523,7 +8088,7 @@
           <p:cNvPr id="2" name="Título 1">
             <a:extLst>
               <a:ext uri="{FF2B5EF4-FFF2-40B4-BE49-F238E27FC236}">
-                <a16:creationId xmlns:a16="http://schemas.microsoft.com/office/drawing/2014/main" id="{6895C26C-FC3F-41C2-829E-CD0CA1B61FDE}"/>
+                <a16:creationId xmlns:a16="http://schemas.microsoft.com/office/drawing/2014/main" xmlns="" id="{6895C26C-FC3F-41C2-829E-CD0CA1B61FDE}"/>
               </a:ext>
             </a:extLst>
           </p:cNvPr>
@@ -7551,7 +8116,7 @@
           <p:cNvPr id="3" name="Espaço Reservado para Conteúdo 2">
             <a:extLst>
               <a:ext uri="{FF2B5EF4-FFF2-40B4-BE49-F238E27FC236}">
-                <a16:creationId xmlns:a16="http://schemas.microsoft.com/office/drawing/2014/main" id="{8D80F1EE-847F-4BB0-886B-B24461010B8D}"/>
+                <a16:creationId xmlns:a16="http://schemas.microsoft.com/office/drawing/2014/main" xmlns="" id="{8D80F1EE-847F-4BB0-886B-B24461010B8D}"/>
               </a:ext>
             </a:extLst>
           </p:cNvPr>
@@ -7609,8 +8174,21 @@
             </a:r>
             <a:r>
               <a:rPr lang="pt-BR" dirty="0"/>
-              <a:t> : Quando ? Sendo estabelecido calendário e cronograma</a:t>
-            </a:r>
+              <a:t> : Quando ? </a:t>
+            </a:r>
+            <a:r>
+              <a:rPr lang="pt-BR" dirty="0" smtClean="0"/>
+              <a:t> (Sendo </a:t>
+            </a:r>
+            <a:r>
+              <a:rPr lang="pt-BR" dirty="0"/>
+              <a:t>estabelecido calendário e </a:t>
+            </a:r>
+            <a:r>
+              <a:rPr lang="pt-BR" dirty="0" smtClean="0"/>
+              <a:t>cronograma)</a:t>
+            </a:r>
+            <a:endParaRPr lang="pt-BR" dirty="0"/>
           </a:p>
           <a:p>
             <a:r>
@@ -7674,13 +8252,7 @@
       </p:grpSpPr>
       <p:sp>
         <p:nvSpPr>
-          <p:cNvPr id="2" name="Título 1">
-            <a:extLst>
-              <a:ext uri="{FF2B5EF4-FFF2-40B4-BE49-F238E27FC236}">
-                <a16:creationId xmlns:a16="http://schemas.microsoft.com/office/drawing/2014/main" id="{28CF9DA3-1953-4E7F-A499-8A499503202C}"/>
-              </a:ext>
-            </a:extLst>
-          </p:cNvPr>
+          <p:cNvPr id="2" name="Título 1"/>
           <p:cNvSpPr>
             <a:spLocks noGrp="1"/>
           </p:cNvSpPr>
@@ -7694,21 +8266,16 @@
           <a:lstStyle/>
           <a:p>
             <a:r>
-              <a:rPr lang="pt-BR" dirty="0"/>
-              <a:t>Tipos de login e funções :</a:t>
-            </a:r>
-          </a:p>
-        </p:txBody>
-      </p:sp>
-      <p:sp>
-        <p:nvSpPr>
-          <p:cNvPr id="3" name="Espaço Reservado para Conteúdo 2">
-            <a:extLst>
-              <a:ext uri="{FF2B5EF4-FFF2-40B4-BE49-F238E27FC236}">
-                <a16:creationId xmlns:a16="http://schemas.microsoft.com/office/drawing/2014/main" id="{1D2D61EC-FA3E-48CD-A0CD-CD3747A5A63C}"/>
-              </a:ext>
-            </a:extLst>
-          </p:cNvPr>
+              <a:rPr lang="pt-BR" dirty="0" smtClean="0"/>
+              <a:t>Informações sobre o custo:</a:t>
+            </a:r>
+            <a:endParaRPr lang="pt-BR" dirty="0"/>
+          </a:p>
+        </p:txBody>
+      </p:sp>
+      <p:sp>
+        <p:nvSpPr>
+          <p:cNvPr id="3" name="Espaço Reservado para Conteúdo 2"/>
           <p:cNvSpPr>
             <a:spLocks noGrp="1"/>
           </p:cNvSpPr>
@@ -7716,84 +8283,140 @@
             <p:ph idx="1"/>
           </p:nvPr>
         </p:nvSpPr>
-        <p:spPr/>
+        <p:spPr>
+          <a:xfrm>
+            <a:off x="1141413" y="2079813"/>
+            <a:ext cx="9905998" cy="3711388"/>
+          </a:xfrm>
+        </p:spPr>
         <p:txBody>
           <a:bodyPr>
-            <a:normAutofit fontScale="85000" lnSpcReduction="20000"/>
+            <a:normAutofit/>
           </a:bodyPr>
           <a:lstStyle/>
           <a:p>
             <a:r>
               <a:rPr lang="pt-BR" dirty="0"/>
-              <a:t>Usuário não cadastrado :</a:t>
-            </a:r>
-          </a:p>
-          <a:p>
+              <a:t>Visual Studio </a:t>
+            </a:r>
+            <a:r>
+              <a:rPr lang="pt-BR" dirty="0" err="1"/>
+              <a:t>community</a:t>
+            </a:r>
             <a:r>
               <a:rPr lang="pt-BR" dirty="0"/>
-              <a:t>Usuário cadastrado :</a:t>
-            </a:r>
-          </a:p>
-          <a:p>
+              <a:t> = 0R</a:t>
+            </a:r>
+            <a:r>
+              <a:rPr lang="pt-BR" dirty="0" smtClean="0"/>
+              <a:t>$</a:t>
+            </a:r>
+          </a:p>
+          <a:p>
+            <a:r>
+              <a:rPr lang="pt-BR" dirty="0" err="1"/>
+              <a:t>Creative</a:t>
+            </a:r>
             <a:r>
               <a:rPr lang="pt-BR" dirty="0"/>
-              <a:t>Programadores :</a:t>
-            </a:r>
-          </a:p>
-          <a:p>
+              <a:t> </a:t>
+            </a:r>
+            <a:r>
+              <a:rPr lang="pt-BR" dirty="0" err="1"/>
+              <a:t>cloud</a:t>
+            </a:r>
             <a:r>
               <a:rPr lang="pt-BR" dirty="0"/>
-              <a:t>Administradores :</a:t>
-            </a:r>
-          </a:p>
-          <a:p>
-            <a:pPr marL="0" indent="0">
-              <a:buNone/>
-            </a:pPr>
+              <a:t> individual = 71R$/</a:t>
+            </a:r>
+            <a:r>
+              <a:rPr lang="pt-BR" dirty="0" err="1"/>
+              <a:t>Mes</a:t>
+            </a:r>
             <a:r>
               <a:rPr lang="pt-BR" dirty="0"/>
-              <a:t>Funções :</a:t>
+              <a:t> -&gt; 852 </a:t>
+            </a:r>
+            <a:r>
+              <a:rPr lang="pt-BR" dirty="0" smtClean="0"/>
+              <a:t>anual</a:t>
             </a:r>
           </a:p>
           <a:p>
             <a:r>
               <a:rPr lang="pt-BR" dirty="0"/>
-              <a:t>Cadastramento de ideias :</a:t>
-            </a:r>
-          </a:p>
-          <a:p>
-            <a:pPr lvl="1"/>
+              <a:t>Servidor </a:t>
+            </a:r>
+            <a:r>
+              <a:rPr lang="pt-BR" dirty="0" err="1"/>
+              <a:t>WordPress</a:t>
+            </a:r>
             <a:r>
               <a:rPr lang="pt-BR" dirty="0"/>
-              <a:t>Variação de ideia:</a:t>
-            </a:r>
-          </a:p>
-          <a:p>
-            <a:pPr lvl="1"/>
+              <a:t> Premium = 26R$/</a:t>
+            </a:r>
+            <a:r>
+              <a:rPr lang="pt-BR" dirty="0" err="1"/>
+              <a:t>Mes</a:t>
+            </a:r>
             <a:r>
               <a:rPr lang="pt-BR" dirty="0"/>
-              <a:t>Pública :</a:t>
-            </a:r>
-          </a:p>
-          <a:p>
-            <a:pPr lvl="1"/>
+              <a:t> -&gt; 312 </a:t>
+            </a:r>
+            <a:r>
+              <a:rPr lang="pt-BR" dirty="0" smtClean="0"/>
+              <a:t>anual</a:t>
+            </a:r>
+          </a:p>
+          <a:p>
             <a:r>
               <a:rPr lang="pt-BR" dirty="0"/>
-              <a:t>Privada :</a:t>
-            </a:r>
-          </a:p>
-          <a:p>
-            <a:pPr marL="0" indent="0">
-              <a:buNone/>
-            </a:pPr>
-            <a:endParaRPr lang="pt-BR" dirty="0"/>
+              <a:t>Gastos externos = 500R</a:t>
+            </a:r>
+            <a:r>
+              <a:rPr lang="pt-BR" dirty="0" smtClean="0"/>
+              <a:t>$</a:t>
+            </a:r>
+          </a:p>
+          <a:p>
+            <a:r>
+              <a:rPr lang="pt-BR" dirty="0"/>
+              <a:t>Total = 1664R</a:t>
+            </a:r>
+            <a:r>
+              <a:rPr lang="pt-BR" dirty="0" smtClean="0"/>
+              <a:t>$  (Gasto anual)</a:t>
+            </a:r>
+          </a:p>
+          <a:p>
+            <a:r>
+              <a:rPr lang="pt-BR" smtClean="0"/>
+              <a:t>Lucro:</a:t>
+            </a:r>
+            <a:endParaRPr lang="pt-BR" dirty="0" smtClean="0"/>
+          </a:p>
+          <a:p>
+            <a:r>
+              <a:rPr lang="pt-BR" dirty="0"/>
+              <a:t>Meta de +2 projetos por </a:t>
+            </a:r>
+            <a:r>
+              <a:rPr lang="pt-BR" dirty="0" smtClean="0"/>
+              <a:t>mês</a:t>
+            </a:r>
+          </a:p>
+          <a:p>
+            <a:r>
+              <a:rPr lang="pt-BR" dirty="0"/>
+              <a:t>Custo estimativa de +/- 3600</a:t>
+            </a:r>
           </a:p>
         </p:txBody>
       </p:sp>
     </p:spTree>
     <p:extLst>
       <p:ext uri="{BB962C8B-B14F-4D97-AF65-F5344CB8AC3E}">
-        <p14:creationId xmlns:p14="http://schemas.microsoft.com/office/powerpoint/2010/main" val="1611475993"/>
+        <p14:creationId xmlns:p14="http://schemas.microsoft.com/office/powerpoint/2010/main" val="600073059"/>
       </p:ext>
     </p:extLst>
   </p:cSld>
@@ -7825,7 +8448,7 @@
           <p:cNvPr id="2" name="Título 1">
             <a:extLst>
               <a:ext uri="{FF2B5EF4-FFF2-40B4-BE49-F238E27FC236}">
-                <a16:creationId xmlns:a16="http://schemas.microsoft.com/office/drawing/2014/main" id="{8D89A3FF-0DD6-4B38-8021-30091BF1096F}"/>
+                <a16:creationId xmlns:a16="http://schemas.microsoft.com/office/drawing/2014/main" xmlns="" id="{28CF9DA3-1953-4E7F-A499-8A499503202C}"/>
               </a:ext>
             </a:extLst>
           </p:cNvPr>
@@ -7843,7 +8466,7 @@
           <a:p>
             <a:r>
               <a:rPr lang="pt-BR" dirty="0"/>
-              <a:t>Parte de Banco de Dados :</a:t>
+              <a:t>Tipos de login e funções :</a:t>
             </a:r>
           </a:p>
         </p:txBody>
@@ -7853,7 +8476,7 @@
           <p:cNvPr id="3" name="Espaço Reservado para Conteúdo 2">
             <a:extLst>
               <a:ext uri="{FF2B5EF4-FFF2-40B4-BE49-F238E27FC236}">
-                <a16:creationId xmlns:a16="http://schemas.microsoft.com/office/drawing/2014/main" id="{73DE0C92-426A-4895-845D-D889A7CFFCFA}"/>
+                <a16:creationId xmlns:a16="http://schemas.microsoft.com/office/drawing/2014/main" xmlns="" id="{1D2D61EC-FA3E-48CD-A0CD-CD3747A5A63C}"/>
               </a:ext>
             </a:extLst>
           </p:cNvPr>
@@ -7866,96 +8489,74 @@
         </p:nvSpPr>
         <p:spPr/>
         <p:txBody>
-          <a:bodyPr/>
+          <a:bodyPr>
+            <a:normAutofit fontScale="85000" lnSpcReduction="20000"/>
+          </a:bodyPr>
           <a:lstStyle/>
           <a:p>
             <a:r>
-              <a:rPr lang="pt-BR" dirty="0" err="1">
-                <a:hlinkClick r:id="rId2" action="ppaction://hlinksldjump"/>
-              </a:rPr>
-              <a:t>Tbl_Usuario</a:t>
-            </a:r>
-            <a:r>
-              <a:rPr lang="pt-BR" dirty="0">
-                <a:hlinkClick r:id="rId2" action="ppaction://hlinksldjump"/>
-              </a:rPr>
-              <a:t> :</a:t>
-            </a:r>
-            <a:endParaRPr lang="pt-BR" dirty="0"/>
-          </a:p>
-          <a:p>
-            <a:r>
-              <a:rPr lang="pt-BR" dirty="0" err="1">
-                <a:hlinkClick r:id="rId2" action="ppaction://hlinksldjump"/>
-              </a:rPr>
-              <a:t>Tbl_Login</a:t>
-            </a:r>
-            <a:r>
-              <a:rPr lang="pt-BR" dirty="0">
-                <a:hlinkClick r:id="rId2" action="ppaction://hlinksldjump"/>
-              </a:rPr>
-              <a:t> :</a:t>
-            </a:r>
-            <a:endParaRPr lang="pt-BR" dirty="0"/>
-          </a:p>
-          <a:p>
-            <a:r>
-              <a:rPr lang="pt-BR" dirty="0" err="1">
-                <a:hlinkClick r:id="rId3" action="ppaction://hlinksldjump"/>
-              </a:rPr>
-              <a:t>Tbl_TipoUser</a:t>
-            </a:r>
-            <a:r>
-              <a:rPr lang="pt-BR" dirty="0">
-                <a:hlinkClick r:id="rId3" action="ppaction://hlinksldjump"/>
-              </a:rPr>
-              <a:t> :</a:t>
-            </a:r>
-            <a:endParaRPr lang="pt-BR" dirty="0"/>
-          </a:p>
-          <a:p>
-            <a:r>
-              <a:rPr lang="pt-BR" dirty="0" err="1">
-                <a:hlinkClick r:id="rId3" action="ppaction://hlinksldjump"/>
-              </a:rPr>
-              <a:t>Tbl_Ideias</a:t>
-            </a:r>
-            <a:r>
-              <a:rPr lang="pt-BR" dirty="0">
-                <a:hlinkClick r:id="rId3" action="ppaction://hlinksldjump"/>
-              </a:rPr>
-              <a:t> :</a:t>
-            </a:r>
-            <a:endParaRPr lang="pt-BR" dirty="0"/>
-          </a:p>
-          <a:p>
-            <a:r>
-              <a:rPr lang="pt-BR" dirty="0" err="1">
-                <a:hlinkClick r:id="rId4" action="ppaction://hlinksldjump"/>
-              </a:rPr>
-              <a:t>Tbl_TipoIdeia</a:t>
-            </a:r>
-            <a:r>
-              <a:rPr lang="pt-BR" dirty="0">
-                <a:hlinkClick r:id="rId4" action="ppaction://hlinksldjump"/>
-              </a:rPr>
-              <a:t> :</a:t>
-            </a:r>
-            <a:endParaRPr lang="pt-BR" dirty="0"/>
-          </a:p>
-          <a:p>
-            <a:r>
-              <a:rPr lang="pt-BR" dirty="0" err="1">
-                <a:hlinkClick r:id="rId4" action="ppaction://hlinksldjump"/>
-              </a:rPr>
-              <a:t>Tbl_Investimento</a:t>
-            </a:r>
-            <a:r>
-              <a:rPr lang="pt-BR" dirty="0">
-                <a:hlinkClick r:id="rId4" action="ppaction://hlinksldjump"/>
-              </a:rPr>
-              <a:t> :</a:t>
-            </a:r>
+              <a:rPr lang="pt-BR" dirty="0"/>
+              <a:t>Usuário não cadastrado :</a:t>
+            </a:r>
+          </a:p>
+          <a:p>
+            <a:r>
+              <a:rPr lang="pt-BR" dirty="0"/>
+              <a:t>Usuário cadastrado :</a:t>
+            </a:r>
+          </a:p>
+          <a:p>
+            <a:r>
+              <a:rPr lang="pt-BR" dirty="0"/>
+              <a:t>Programadores :</a:t>
+            </a:r>
+          </a:p>
+          <a:p>
+            <a:r>
+              <a:rPr lang="pt-BR" dirty="0"/>
+              <a:t>Administradores :</a:t>
+            </a:r>
+          </a:p>
+          <a:p>
+            <a:pPr marL="0" indent="0">
+              <a:buNone/>
+            </a:pPr>
+            <a:r>
+              <a:rPr lang="pt-BR" dirty="0"/>
+              <a:t>Funções :</a:t>
+            </a:r>
+          </a:p>
+          <a:p>
+            <a:r>
+              <a:rPr lang="pt-BR" dirty="0"/>
+              <a:t>Cadastramento de ideias :</a:t>
+            </a:r>
+          </a:p>
+          <a:p>
+            <a:pPr lvl="1"/>
+            <a:r>
+              <a:rPr lang="pt-BR" dirty="0"/>
+              <a:t>Variação de ideia:</a:t>
+            </a:r>
+          </a:p>
+          <a:p>
+            <a:pPr lvl="1"/>
+            <a:r>
+              <a:rPr lang="pt-BR" dirty="0"/>
+              <a:t>Pública :</a:t>
+            </a:r>
+          </a:p>
+          <a:p>
+            <a:pPr lvl="1"/>
+            <a:r>
+              <a:rPr lang="pt-BR" dirty="0"/>
+              <a:t>Privada :</a:t>
+            </a:r>
+          </a:p>
+          <a:p>
+            <a:pPr marL="0" indent="0">
+              <a:buNone/>
+            </a:pPr>
             <a:endParaRPr lang="pt-BR" dirty="0"/>
           </a:p>
         </p:txBody>
@@ -7963,7 +8564,7 @@
     </p:spTree>
     <p:extLst>
       <p:ext uri="{BB962C8B-B14F-4D97-AF65-F5344CB8AC3E}">
-        <p14:creationId xmlns:p14="http://schemas.microsoft.com/office/powerpoint/2010/main" val="3556885476"/>
+        <p14:creationId xmlns:p14="http://schemas.microsoft.com/office/powerpoint/2010/main" val="1611475993"/>
       </p:ext>
     </p:extLst>
   </p:cSld>
@@ -7990,12 +8591,182 @@
           <a:chExt cx="0" cy="0"/>
         </a:xfrm>
       </p:grpSpPr>
+      <p:sp>
+        <p:nvSpPr>
+          <p:cNvPr id="2" name="Título 1">
+            <a:extLst>
+              <a:ext uri="{FF2B5EF4-FFF2-40B4-BE49-F238E27FC236}">
+                <a16:creationId xmlns:a16="http://schemas.microsoft.com/office/drawing/2014/main" xmlns="" id="{8D89A3FF-0DD6-4B38-8021-30091BF1096F}"/>
+              </a:ext>
+            </a:extLst>
+          </p:cNvPr>
+          <p:cNvSpPr>
+            <a:spLocks noGrp="1"/>
+          </p:cNvSpPr>
+          <p:nvPr>
+            <p:ph type="title"/>
+          </p:nvPr>
+        </p:nvSpPr>
+        <p:spPr/>
+        <p:txBody>
+          <a:bodyPr/>
+          <a:lstStyle/>
+          <a:p>
+            <a:r>
+              <a:rPr lang="pt-BR" dirty="0"/>
+              <a:t>Parte de Banco de Dados :</a:t>
+            </a:r>
+          </a:p>
+        </p:txBody>
+      </p:sp>
+      <p:sp>
+        <p:nvSpPr>
+          <p:cNvPr id="3" name="Espaço Reservado para Conteúdo 2">
+            <a:extLst>
+              <a:ext uri="{FF2B5EF4-FFF2-40B4-BE49-F238E27FC236}">
+                <a16:creationId xmlns:a16="http://schemas.microsoft.com/office/drawing/2014/main" xmlns="" id="{73DE0C92-426A-4895-845D-D889A7CFFCFA}"/>
+              </a:ext>
+            </a:extLst>
+          </p:cNvPr>
+          <p:cNvSpPr>
+            <a:spLocks noGrp="1"/>
+          </p:cNvSpPr>
+          <p:nvPr>
+            <p:ph idx="1"/>
+          </p:nvPr>
+        </p:nvSpPr>
+        <p:spPr/>
+        <p:txBody>
+          <a:bodyPr/>
+          <a:lstStyle/>
+          <a:p>
+            <a:r>
+              <a:rPr lang="pt-BR" dirty="0" err="1">
+                <a:hlinkClick r:id="rId2" action="ppaction://hlinksldjump"/>
+              </a:rPr>
+              <a:t>Tbl_Usuario</a:t>
+            </a:r>
+            <a:r>
+              <a:rPr lang="pt-BR" dirty="0">
+                <a:hlinkClick r:id="rId2" action="ppaction://hlinksldjump"/>
+              </a:rPr>
+              <a:t> :</a:t>
+            </a:r>
+            <a:endParaRPr lang="pt-BR" dirty="0"/>
+          </a:p>
+          <a:p>
+            <a:r>
+              <a:rPr lang="pt-BR" dirty="0" err="1">
+                <a:hlinkClick r:id="rId2" action="ppaction://hlinksldjump"/>
+              </a:rPr>
+              <a:t>Tbl_Login</a:t>
+            </a:r>
+            <a:r>
+              <a:rPr lang="pt-BR" dirty="0">
+                <a:hlinkClick r:id="rId2" action="ppaction://hlinksldjump"/>
+              </a:rPr>
+              <a:t> :</a:t>
+            </a:r>
+            <a:endParaRPr lang="pt-BR" dirty="0"/>
+          </a:p>
+          <a:p>
+            <a:r>
+              <a:rPr lang="pt-BR" dirty="0" err="1">
+                <a:hlinkClick r:id="rId3" action="ppaction://hlinksldjump"/>
+              </a:rPr>
+              <a:t>Tbl_TipoUser</a:t>
+            </a:r>
+            <a:r>
+              <a:rPr lang="pt-BR" dirty="0">
+                <a:hlinkClick r:id="rId3" action="ppaction://hlinksldjump"/>
+              </a:rPr>
+              <a:t> :</a:t>
+            </a:r>
+            <a:endParaRPr lang="pt-BR" dirty="0"/>
+          </a:p>
+          <a:p>
+            <a:r>
+              <a:rPr lang="pt-BR" dirty="0" err="1">
+                <a:hlinkClick r:id="rId3" action="ppaction://hlinksldjump"/>
+              </a:rPr>
+              <a:t>Tbl_Ideias</a:t>
+            </a:r>
+            <a:r>
+              <a:rPr lang="pt-BR" dirty="0">
+                <a:hlinkClick r:id="rId3" action="ppaction://hlinksldjump"/>
+              </a:rPr>
+              <a:t> :</a:t>
+            </a:r>
+            <a:endParaRPr lang="pt-BR" dirty="0"/>
+          </a:p>
+          <a:p>
+            <a:r>
+              <a:rPr lang="pt-BR" dirty="0" err="1">
+                <a:hlinkClick r:id="rId4" action="ppaction://hlinksldjump"/>
+              </a:rPr>
+              <a:t>Tbl_TipoIdeia</a:t>
+            </a:r>
+            <a:r>
+              <a:rPr lang="pt-BR" dirty="0">
+                <a:hlinkClick r:id="rId4" action="ppaction://hlinksldjump"/>
+              </a:rPr>
+              <a:t> :</a:t>
+            </a:r>
+            <a:endParaRPr lang="pt-BR" dirty="0"/>
+          </a:p>
+          <a:p>
+            <a:r>
+              <a:rPr lang="pt-BR" dirty="0" err="1">
+                <a:hlinkClick r:id="rId4" action="ppaction://hlinksldjump"/>
+              </a:rPr>
+              <a:t>Tbl_Investimento</a:t>
+            </a:r>
+            <a:r>
+              <a:rPr lang="pt-BR" dirty="0">
+                <a:hlinkClick r:id="rId4" action="ppaction://hlinksldjump"/>
+              </a:rPr>
+              <a:t> :</a:t>
+            </a:r>
+            <a:endParaRPr lang="pt-BR" dirty="0"/>
+          </a:p>
+        </p:txBody>
+      </p:sp>
+    </p:spTree>
+    <p:extLst>
+      <p:ext uri="{BB962C8B-B14F-4D97-AF65-F5344CB8AC3E}">
+        <p14:creationId xmlns:p14="http://schemas.microsoft.com/office/powerpoint/2010/main" val="3556885476"/>
+      </p:ext>
+    </p:extLst>
+  </p:cSld>
+  <p:clrMapOvr>
+    <a:masterClrMapping/>
+  </p:clrMapOvr>
+</p:sld>
+</file>
+
+<file path=ppt/slides/slide8.xml><?xml version="1.0" encoding="utf-8"?>
+<p:sld xmlns:a="http://schemas.openxmlformats.org/drawingml/2006/main" xmlns:r="http://schemas.openxmlformats.org/officeDocument/2006/relationships" xmlns:p="http://schemas.openxmlformats.org/presentationml/2006/main">
+  <p:cSld>
+    <p:spTree>
+      <p:nvGrpSpPr>
+        <p:cNvPr id="1" name=""/>
+        <p:cNvGrpSpPr/>
+        <p:nvPr/>
+      </p:nvGrpSpPr>
+      <p:grpSpPr>
+        <a:xfrm>
+          <a:off x="0" y="0"/>
+          <a:ext cx="0" cy="0"/>
+          <a:chOff x="0" y="0"/>
+          <a:chExt cx="0" cy="0"/>
+        </a:xfrm>
+      </p:grpSpPr>
       <p:graphicFrame>
         <p:nvGraphicFramePr>
           <p:cNvPr id="2" name="Tabela 1">
             <a:extLst>
               <a:ext uri="{FF2B5EF4-FFF2-40B4-BE49-F238E27FC236}">
-                <a16:creationId xmlns:a16="http://schemas.microsoft.com/office/drawing/2014/main" id="{8AE1CBFE-A676-427E-AA14-12A9E8F65F70}"/>
+                <a16:creationId xmlns:a16="http://schemas.microsoft.com/office/drawing/2014/main" xmlns="" id="{8AE1CBFE-A676-427E-AA14-12A9E8F65F70}"/>
               </a:ext>
             </a:extLst>
           </p:cNvPr>
@@ -8024,14 +8795,14 @@
                 <a:gridCol w="2721610">
                   <a:extLst>
                     <a:ext uri="{9D8B030D-6E8A-4147-A177-3AD203B41FA5}">
-                      <a16:colId xmlns:a16="http://schemas.microsoft.com/office/drawing/2014/main" val="1007374091"/>
+                      <a16:colId xmlns:a16="http://schemas.microsoft.com/office/drawing/2014/main" xmlns="" val="1007374091"/>
                     </a:ext>
                   </a:extLst>
                 </a:gridCol>
                 <a:gridCol w="2721610">
                   <a:extLst>
                     <a:ext uri="{9D8B030D-6E8A-4147-A177-3AD203B41FA5}">
-                      <a16:colId xmlns:a16="http://schemas.microsoft.com/office/drawing/2014/main" val="2802379468"/>
+                      <a16:colId xmlns:a16="http://schemas.microsoft.com/office/drawing/2014/main" xmlns="" val="2802379468"/>
                     </a:ext>
                   </a:extLst>
                 </a:gridCol>
@@ -8063,7 +8834,7 @@
                 </a:tc>
                 <a:extLst>
                   <a:ext uri="{0D108BD9-81ED-4DB2-BD59-A6C34878D82A}">
-                    <a16:rowId xmlns:a16="http://schemas.microsoft.com/office/drawing/2014/main" val="2529949306"/>
+                    <a16:rowId xmlns:a16="http://schemas.microsoft.com/office/drawing/2014/main" xmlns="" val="2529949306"/>
                   </a:ext>
                 </a:extLst>
               </a:tr>
@@ -8097,7 +8868,7 @@
                 </a:tc>
                 <a:extLst>
                   <a:ext uri="{0D108BD9-81ED-4DB2-BD59-A6C34878D82A}">
-                    <a16:rowId xmlns:a16="http://schemas.microsoft.com/office/drawing/2014/main" val="2331279430"/>
+                    <a16:rowId xmlns:a16="http://schemas.microsoft.com/office/drawing/2014/main" xmlns="" val="2331279430"/>
                   </a:ext>
                 </a:extLst>
               </a:tr>
@@ -8131,7 +8902,7 @@
                 </a:tc>
                 <a:extLst>
                   <a:ext uri="{0D108BD9-81ED-4DB2-BD59-A6C34878D82A}">
-                    <a16:rowId xmlns:a16="http://schemas.microsoft.com/office/drawing/2014/main" val="318087911"/>
+                    <a16:rowId xmlns:a16="http://schemas.microsoft.com/office/drawing/2014/main" xmlns="" val="318087911"/>
                   </a:ext>
                 </a:extLst>
               </a:tr>
@@ -8165,7 +8936,7 @@
                 </a:tc>
                 <a:extLst>
                   <a:ext uri="{0D108BD9-81ED-4DB2-BD59-A6C34878D82A}">
-                    <a16:rowId xmlns:a16="http://schemas.microsoft.com/office/drawing/2014/main" val="145903985"/>
+                    <a16:rowId xmlns:a16="http://schemas.microsoft.com/office/drawing/2014/main" xmlns="" val="145903985"/>
                   </a:ext>
                 </a:extLst>
               </a:tr>
@@ -8199,7 +8970,7 @@
                 </a:tc>
                 <a:extLst>
                   <a:ext uri="{0D108BD9-81ED-4DB2-BD59-A6C34878D82A}">
-                    <a16:rowId xmlns:a16="http://schemas.microsoft.com/office/drawing/2014/main" val="2650140092"/>
+                    <a16:rowId xmlns:a16="http://schemas.microsoft.com/office/drawing/2014/main" xmlns="" val="2650140092"/>
                   </a:ext>
                 </a:extLst>
               </a:tr>
@@ -8233,7 +9004,7 @@
                 </a:tc>
                 <a:extLst>
                   <a:ext uri="{0D108BD9-81ED-4DB2-BD59-A6C34878D82A}">
-                    <a16:rowId xmlns:a16="http://schemas.microsoft.com/office/drawing/2014/main" val="228286193"/>
+                    <a16:rowId xmlns:a16="http://schemas.microsoft.com/office/drawing/2014/main" xmlns="" val="228286193"/>
                   </a:ext>
                 </a:extLst>
               </a:tr>
@@ -8260,7 +9031,7 @@
                 </a:tc>
                 <a:extLst>
                   <a:ext uri="{0D108BD9-81ED-4DB2-BD59-A6C34878D82A}">
-                    <a16:rowId xmlns:a16="http://schemas.microsoft.com/office/drawing/2014/main" val="1578412719"/>
+                    <a16:rowId xmlns:a16="http://schemas.microsoft.com/office/drawing/2014/main" xmlns="" val="1578412719"/>
                   </a:ext>
                 </a:extLst>
               </a:tr>
@@ -8273,7 +9044,7 @@
           <p:cNvPr id="4" name="Tabela 3">
             <a:extLst>
               <a:ext uri="{FF2B5EF4-FFF2-40B4-BE49-F238E27FC236}">
-                <a16:creationId xmlns:a16="http://schemas.microsoft.com/office/drawing/2014/main" id="{A8B81A70-2FF2-498A-9C4E-C4FDAC014AA7}"/>
+                <a16:creationId xmlns:a16="http://schemas.microsoft.com/office/drawing/2014/main" xmlns="" id="{A8B81A70-2FF2-498A-9C4E-C4FDAC014AA7}"/>
               </a:ext>
             </a:extLst>
           </p:cNvPr>
@@ -8302,14 +9073,14 @@
                 <a:gridCol w="2721610">
                   <a:extLst>
                     <a:ext uri="{9D8B030D-6E8A-4147-A177-3AD203B41FA5}">
-                      <a16:colId xmlns:a16="http://schemas.microsoft.com/office/drawing/2014/main" val="251358571"/>
+                      <a16:colId xmlns:a16="http://schemas.microsoft.com/office/drawing/2014/main" xmlns="" val="251358571"/>
                     </a:ext>
                   </a:extLst>
                 </a:gridCol>
                 <a:gridCol w="2721610">
                   <a:extLst>
                     <a:ext uri="{9D8B030D-6E8A-4147-A177-3AD203B41FA5}">
-                      <a16:colId xmlns:a16="http://schemas.microsoft.com/office/drawing/2014/main" val="3386696712"/>
+                      <a16:colId xmlns:a16="http://schemas.microsoft.com/office/drawing/2014/main" xmlns="" val="3386696712"/>
                     </a:ext>
                   </a:extLst>
                 </a:gridCol>
@@ -8341,7 +9112,7 @@
                 </a:tc>
                 <a:extLst>
                   <a:ext uri="{0D108BD9-81ED-4DB2-BD59-A6C34878D82A}">
-                    <a16:rowId xmlns:a16="http://schemas.microsoft.com/office/drawing/2014/main" val="2874812177"/>
+                    <a16:rowId xmlns:a16="http://schemas.microsoft.com/office/drawing/2014/main" xmlns="" val="2874812177"/>
                   </a:ext>
                 </a:extLst>
               </a:tr>
@@ -8375,7 +9146,7 @@
                 </a:tc>
                 <a:extLst>
                   <a:ext uri="{0D108BD9-81ED-4DB2-BD59-A6C34878D82A}">
-                    <a16:rowId xmlns:a16="http://schemas.microsoft.com/office/drawing/2014/main" val="3341341220"/>
+                    <a16:rowId xmlns:a16="http://schemas.microsoft.com/office/drawing/2014/main" xmlns="" val="3341341220"/>
                   </a:ext>
                 </a:extLst>
               </a:tr>
@@ -8409,7 +9180,7 @@
                 </a:tc>
                 <a:extLst>
                   <a:ext uri="{0D108BD9-81ED-4DB2-BD59-A6C34878D82A}">
-                    <a16:rowId xmlns:a16="http://schemas.microsoft.com/office/drawing/2014/main" val="3061441458"/>
+                    <a16:rowId xmlns:a16="http://schemas.microsoft.com/office/drawing/2014/main" xmlns="" val="3061441458"/>
                   </a:ext>
                 </a:extLst>
               </a:tr>
@@ -8443,7 +9214,7 @@
                 </a:tc>
                 <a:extLst>
                   <a:ext uri="{0D108BD9-81ED-4DB2-BD59-A6C34878D82A}">
-                    <a16:rowId xmlns:a16="http://schemas.microsoft.com/office/drawing/2014/main" val="1661385848"/>
+                    <a16:rowId xmlns:a16="http://schemas.microsoft.com/office/drawing/2014/main" xmlns="" val="1661385848"/>
                   </a:ext>
                 </a:extLst>
               </a:tr>
@@ -8470,7 +9241,7 @@
                 </a:tc>
                 <a:extLst>
                   <a:ext uri="{0D108BD9-81ED-4DB2-BD59-A6C34878D82A}">
-                    <a16:rowId xmlns:a16="http://schemas.microsoft.com/office/drawing/2014/main" val="1424018440"/>
+                    <a16:rowId xmlns:a16="http://schemas.microsoft.com/office/drawing/2014/main" xmlns="" val="1424018440"/>
                   </a:ext>
                 </a:extLst>
               </a:tr>
@@ -8484,7 +9255,7 @@
             <a:hlinkClick r:id="rId2" action="ppaction://hlinksldjump"/>
             <a:extLst>
               <a:ext uri="{FF2B5EF4-FFF2-40B4-BE49-F238E27FC236}">
-                <a16:creationId xmlns:a16="http://schemas.microsoft.com/office/drawing/2014/main" id="{0C77330B-68B1-4546-BF48-6C4D3B57EB37}"/>
+                <a16:creationId xmlns:a16="http://schemas.microsoft.com/office/drawing/2014/main" xmlns="" id="{0C77330B-68B1-4546-BF48-6C4D3B57EB37}"/>
               </a:ext>
             </a:extLst>
           </p:cNvPr>
@@ -8536,7 +9307,7 @@
 </p:sld>
 </file>
 
-<file path=ppt/slides/slide8.xml><?xml version="1.0" encoding="utf-8"?>
+<file path=ppt/slides/slide9.xml><?xml version="1.0" encoding="utf-8"?>
 <p:sld xmlns:a="http://schemas.openxmlformats.org/drawingml/2006/main" xmlns:r="http://schemas.openxmlformats.org/officeDocument/2006/relationships" xmlns:p="http://schemas.openxmlformats.org/presentationml/2006/main">
   <p:cSld>
     <p:spTree>
@@ -8558,7 +9329,7 @@
           <p:cNvPr id="2" name="Tabela 1">
             <a:extLst>
               <a:ext uri="{FF2B5EF4-FFF2-40B4-BE49-F238E27FC236}">
-                <a16:creationId xmlns:a16="http://schemas.microsoft.com/office/drawing/2014/main" id="{08EEA5F5-C9C2-423C-8F8D-746396791040}"/>
+                <a16:creationId xmlns:a16="http://schemas.microsoft.com/office/drawing/2014/main" xmlns="" id="{08EEA5F5-C9C2-423C-8F8D-746396791040}"/>
               </a:ext>
             </a:extLst>
           </p:cNvPr>
@@ -8587,14 +9358,14 @@
                 <a:gridCol w="2710180">
                   <a:extLst>
                     <a:ext uri="{9D8B030D-6E8A-4147-A177-3AD203B41FA5}">
-                      <a16:colId xmlns:a16="http://schemas.microsoft.com/office/drawing/2014/main" val="3978738735"/>
+                      <a16:colId xmlns:a16="http://schemas.microsoft.com/office/drawing/2014/main" xmlns="" val="3978738735"/>
                     </a:ext>
                   </a:extLst>
                 </a:gridCol>
                 <a:gridCol w="2710180">
                   <a:extLst>
                     <a:ext uri="{9D8B030D-6E8A-4147-A177-3AD203B41FA5}">
-                      <a16:colId xmlns:a16="http://schemas.microsoft.com/office/drawing/2014/main" val="116705030"/>
+                      <a16:colId xmlns:a16="http://schemas.microsoft.com/office/drawing/2014/main" xmlns="" val="116705030"/>
                     </a:ext>
                   </a:extLst>
                 </a:gridCol>
@@ -8626,7 +9397,7 @@
                 </a:tc>
                 <a:extLst>
                   <a:ext uri="{0D108BD9-81ED-4DB2-BD59-A6C34878D82A}">
-                    <a16:rowId xmlns:a16="http://schemas.microsoft.com/office/drawing/2014/main" val="2521590314"/>
+                    <a16:rowId xmlns:a16="http://schemas.microsoft.com/office/drawing/2014/main" xmlns="" val="2521590314"/>
                   </a:ext>
                 </a:extLst>
               </a:tr>
@@ -8668,7 +9439,7 @@
                 </a:tc>
                 <a:extLst>
                   <a:ext uri="{0D108BD9-81ED-4DB2-BD59-A6C34878D82A}">
-                    <a16:rowId xmlns:a16="http://schemas.microsoft.com/office/drawing/2014/main" val="663290988"/>
+                    <a16:rowId xmlns:a16="http://schemas.microsoft.com/office/drawing/2014/main" xmlns="" val="663290988"/>
                   </a:ext>
                 </a:extLst>
               </a:tr>
@@ -8705,7 +9476,7 @@
                 </a:tc>
                 <a:extLst>
                   <a:ext uri="{0D108BD9-81ED-4DB2-BD59-A6C34878D82A}">
-                    <a16:rowId xmlns:a16="http://schemas.microsoft.com/office/drawing/2014/main" val="4015613168"/>
+                    <a16:rowId xmlns:a16="http://schemas.microsoft.com/office/drawing/2014/main" xmlns="" val="4015613168"/>
                   </a:ext>
                 </a:extLst>
               </a:tr>
@@ -8742,7 +9513,7 @@
                 </a:tc>
                 <a:extLst>
                   <a:ext uri="{0D108BD9-81ED-4DB2-BD59-A6C34878D82A}">
-                    <a16:rowId xmlns:a16="http://schemas.microsoft.com/office/drawing/2014/main" val="3124511476"/>
+                    <a16:rowId xmlns:a16="http://schemas.microsoft.com/office/drawing/2014/main" xmlns="" val="3124511476"/>
                   </a:ext>
                 </a:extLst>
               </a:tr>
@@ -8769,7 +9540,7 @@
                 </a:tc>
                 <a:extLst>
                   <a:ext uri="{0D108BD9-81ED-4DB2-BD59-A6C34878D82A}">
-                    <a16:rowId xmlns:a16="http://schemas.microsoft.com/office/drawing/2014/main" val="498148229"/>
+                    <a16:rowId xmlns:a16="http://schemas.microsoft.com/office/drawing/2014/main" xmlns="" val="498148229"/>
                   </a:ext>
                 </a:extLst>
               </a:tr>
@@ -8782,7 +9553,7 @@
           <p:cNvPr id="3" name="Tabela 2">
             <a:extLst>
               <a:ext uri="{FF2B5EF4-FFF2-40B4-BE49-F238E27FC236}">
-                <a16:creationId xmlns:a16="http://schemas.microsoft.com/office/drawing/2014/main" id="{4B6D3554-ECD1-49E4-8C7A-DCC2B4AD39B1}"/>
+                <a16:creationId xmlns:a16="http://schemas.microsoft.com/office/drawing/2014/main" xmlns="" id="{4B6D3554-ECD1-49E4-8C7A-DCC2B4AD39B1}"/>
               </a:ext>
             </a:extLst>
           </p:cNvPr>
@@ -8811,14 +9582,14 @@
                 <a:gridCol w="2710180">
                   <a:extLst>
                     <a:ext uri="{9D8B030D-6E8A-4147-A177-3AD203B41FA5}">
-                      <a16:colId xmlns:a16="http://schemas.microsoft.com/office/drawing/2014/main" val="956680252"/>
+                      <a16:colId xmlns:a16="http://schemas.microsoft.com/office/drawing/2014/main" xmlns="" val="956680252"/>
                     </a:ext>
                   </a:extLst>
                 </a:gridCol>
                 <a:gridCol w="2710180">
                   <a:extLst>
                     <a:ext uri="{9D8B030D-6E8A-4147-A177-3AD203B41FA5}">
-                      <a16:colId xmlns:a16="http://schemas.microsoft.com/office/drawing/2014/main" val="139209549"/>
+                      <a16:colId xmlns:a16="http://schemas.microsoft.com/office/drawing/2014/main" xmlns="" val="139209549"/>
                     </a:ext>
                   </a:extLst>
                 </a:gridCol>
@@ -8850,7 +9621,7 @@
                 </a:tc>
                 <a:extLst>
                   <a:ext uri="{0D108BD9-81ED-4DB2-BD59-A6C34878D82A}">
-                    <a16:rowId xmlns:a16="http://schemas.microsoft.com/office/drawing/2014/main" val="2271970676"/>
+                    <a16:rowId xmlns:a16="http://schemas.microsoft.com/office/drawing/2014/main" xmlns="" val="2271970676"/>
                   </a:ext>
                 </a:extLst>
               </a:tr>
@@ -8889,7 +9660,7 @@
                 </a:tc>
                 <a:extLst>
                   <a:ext uri="{0D108BD9-81ED-4DB2-BD59-A6C34878D82A}">
-                    <a16:rowId xmlns:a16="http://schemas.microsoft.com/office/drawing/2014/main" val="1881151841"/>
+                    <a16:rowId xmlns:a16="http://schemas.microsoft.com/office/drawing/2014/main" xmlns="" val="1881151841"/>
                   </a:ext>
                 </a:extLst>
               </a:tr>
@@ -8923,7 +9694,7 @@
                 </a:tc>
                 <a:extLst>
                   <a:ext uri="{0D108BD9-81ED-4DB2-BD59-A6C34878D82A}">
-                    <a16:rowId xmlns:a16="http://schemas.microsoft.com/office/drawing/2014/main" val="3733743974"/>
+                    <a16:rowId xmlns:a16="http://schemas.microsoft.com/office/drawing/2014/main" xmlns="" val="3733743974"/>
                   </a:ext>
                 </a:extLst>
               </a:tr>
@@ -8957,7 +9728,7 @@
                 </a:tc>
                 <a:extLst>
                   <a:ext uri="{0D108BD9-81ED-4DB2-BD59-A6C34878D82A}">
-                    <a16:rowId xmlns:a16="http://schemas.microsoft.com/office/drawing/2014/main" val="798877053"/>
+                    <a16:rowId xmlns:a16="http://schemas.microsoft.com/office/drawing/2014/main" xmlns="" val="798877053"/>
                   </a:ext>
                 </a:extLst>
               </a:tr>
@@ -8991,7 +9762,7 @@
                 </a:tc>
                 <a:extLst>
                   <a:ext uri="{0D108BD9-81ED-4DB2-BD59-A6C34878D82A}">
-                    <a16:rowId xmlns:a16="http://schemas.microsoft.com/office/drawing/2014/main" val="2835391103"/>
+                    <a16:rowId xmlns:a16="http://schemas.microsoft.com/office/drawing/2014/main" xmlns="" val="2835391103"/>
                   </a:ext>
                 </a:extLst>
               </a:tr>
@@ -9025,7 +9796,7 @@
                 </a:tc>
                 <a:extLst>
                   <a:ext uri="{0D108BD9-81ED-4DB2-BD59-A6C34878D82A}">
-                    <a16:rowId xmlns:a16="http://schemas.microsoft.com/office/drawing/2014/main" val="899611223"/>
+                    <a16:rowId xmlns:a16="http://schemas.microsoft.com/office/drawing/2014/main" xmlns="" val="899611223"/>
                   </a:ext>
                 </a:extLst>
               </a:tr>
@@ -9059,7 +9830,7 @@
                 </a:tc>
                 <a:extLst>
                   <a:ext uri="{0D108BD9-81ED-4DB2-BD59-A6C34878D82A}">
-                    <a16:rowId xmlns:a16="http://schemas.microsoft.com/office/drawing/2014/main" val="819092197"/>
+                    <a16:rowId xmlns:a16="http://schemas.microsoft.com/office/drawing/2014/main" xmlns="" val="819092197"/>
                   </a:ext>
                 </a:extLst>
               </a:tr>
@@ -9086,7 +9857,7 @@
                 </a:tc>
                 <a:extLst>
                   <a:ext uri="{0D108BD9-81ED-4DB2-BD59-A6C34878D82A}">
-                    <a16:rowId xmlns:a16="http://schemas.microsoft.com/office/drawing/2014/main" val="3592793566"/>
+                    <a16:rowId xmlns:a16="http://schemas.microsoft.com/office/drawing/2014/main" xmlns="" val="3592793566"/>
                   </a:ext>
                 </a:extLst>
               </a:tr>
@@ -9100,7 +9871,7 @@
             <a:hlinkClick r:id="rId2" action="ppaction://hlinksldjump"/>
             <a:extLst>
               <a:ext uri="{FF2B5EF4-FFF2-40B4-BE49-F238E27FC236}">
-                <a16:creationId xmlns:a16="http://schemas.microsoft.com/office/drawing/2014/main" id="{B617CDEC-8B2B-4D7B-ABF8-027C4A260120}"/>
+                <a16:creationId xmlns:a16="http://schemas.microsoft.com/office/drawing/2014/main" xmlns="" id="{B617CDEC-8B2B-4D7B-ABF8-027C4A260120}"/>
               </a:ext>
             </a:extLst>
           </p:cNvPr>
@@ -9143,570 +9914,6 @@
     <p:extLst>
       <p:ext uri="{BB962C8B-B14F-4D97-AF65-F5344CB8AC3E}">
         <p14:creationId xmlns:p14="http://schemas.microsoft.com/office/powerpoint/2010/main" val="2926456270"/>
-      </p:ext>
-    </p:extLst>
-  </p:cSld>
-  <p:clrMapOvr>
-    <a:masterClrMapping/>
-  </p:clrMapOvr>
-</p:sld>
-</file>
-
-<file path=ppt/slides/slide9.xml><?xml version="1.0" encoding="utf-8"?>
-<p:sld xmlns:a="http://schemas.openxmlformats.org/drawingml/2006/main" xmlns:r="http://schemas.openxmlformats.org/officeDocument/2006/relationships" xmlns:p="http://schemas.openxmlformats.org/presentationml/2006/main">
-  <p:cSld>
-    <p:spTree>
-      <p:nvGrpSpPr>
-        <p:cNvPr id="1" name=""/>
-        <p:cNvGrpSpPr/>
-        <p:nvPr/>
-      </p:nvGrpSpPr>
-      <p:grpSpPr>
-        <a:xfrm>
-          <a:off x="0" y="0"/>
-          <a:ext cx="0" cy="0"/>
-          <a:chOff x="0" y="0"/>
-          <a:chExt cx="0" cy="0"/>
-        </a:xfrm>
-      </p:grpSpPr>
-      <p:graphicFrame>
-        <p:nvGraphicFramePr>
-          <p:cNvPr id="2" name="Tabela 1">
-            <a:extLst>
-              <a:ext uri="{FF2B5EF4-FFF2-40B4-BE49-F238E27FC236}">
-                <a16:creationId xmlns:a16="http://schemas.microsoft.com/office/drawing/2014/main" id="{3C5ECEE6-1BBC-4A5E-9BB5-508FB89C26EE}"/>
-              </a:ext>
-            </a:extLst>
-          </p:cNvPr>
-          <p:cNvGraphicFramePr>
-            <a:graphicFrameLocks noGrp="1"/>
-          </p:cNvGraphicFramePr>
-          <p:nvPr>
-            <p:extLst>
-              <p:ext uri="{D42A27DB-BD31-4B8C-83A1-F6EECF244321}">
-                <p14:modId xmlns:p14="http://schemas.microsoft.com/office/powerpoint/2010/main" val="1000344807"/>
-              </p:ext>
-            </p:extLst>
-          </p:nvPr>
-        </p:nvGraphicFramePr>
-        <p:xfrm>
-          <a:off x="591820" y="2316480"/>
-          <a:ext cx="5260340" cy="2225040"/>
-        </p:xfrm>
-        <a:graphic>
-          <a:graphicData uri="http://schemas.openxmlformats.org/drawingml/2006/table">
-            <a:tbl>
-              <a:tblPr firstRow="1" bandRow="1">
-                <a:tableStyleId>{5C22544A-7EE6-4342-B048-85BDC9FD1C3A}</a:tableStyleId>
-              </a:tblPr>
-              <a:tblGrid>
-                <a:gridCol w="2630170">
-                  <a:extLst>
-                    <a:ext uri="{9D8B030D-6E8A-4147-A177-3AD203B41FA5}">
-                      <a16:colId xmlns:a16="http://schemas.microsoft.com/office/drawing/2014/main" val="2305028019"/>
-                    </a:ext>
-                  </a:extLst>
-                </a:gridCol>
-                <a:gridCol w="2630170">
-                  <a:extLst>
-                    <a:ext uri="{9D8B030D-6E8A-4147-A177-3AD203B41FA5}">
-                      <a16:colId xmlns:a16="http://schemas.microsoft.com/office/drawing/2014/main" val="207135817"/>
-                    </a:ext>
-                  </a:extLst>
-                </a:gridCol>
-              </a:tblGrid>
-              <a:tr h="370840">
-                <a:tc>
-                  <a:txBody>
-                    <a:bodyPr/>
-                    <a:lstStyle/>
-                    <a:p>
-                      <a:r>
-                        <a:rPr lang="pt-BR" dirty="0" err="1"/>
-                        <a:t>Tbl_TipoIdeia</a:t>
-                      </a:r>
-                      <a:endParaRPr lang="pt-BR" dirty="0"/>
-                    </a:p>
-                  </a:txBody>
-                  <a:tcPr/>
-                </a:tc>
-                <a:tc>
-                  <a:txBody>
-                    <a:bodyPr/>
-                    <a:lstStyle/>
-                    <a:p>
-                      <a:endParaRPr lang="pt-BR" dirty="0"/>
-                    </a:p>
-                  </a:txBody>
-                  <a:tcPr/>
-                </a:tc>
-                <a:extLst>
-                  <a:ext uri="{0D108BD9-81ED-4DB2-BD59-A6C34878D82A}">
-                    <a16:rowId xmlns:a16="http://schemas.microsoft.com/office/drawing/2014/main" val="2413227068"/>
-                  </a:ext>
-                </a:extLst>
-              </a:tr>
-              <a:tr h="370840">
-                <a:tc>
-                  <a:txBody>
-                    <a:bodyPr/>
-                    <a:lstStyle/>
-                    <a:p>
-                      <a:r>
-                        <a:rPr lang="pt-BR" dirty="0" err="1"/>
-                        <a:t>Tpi_cod</a:t>
-                      </a:r>
-                      <a:endParaRPr lang="pt-BR" dirty="0"/>
-                    </a:p>
-                  </a:txBody>
-                  <a:tcPr/>
-                </a:tc>
-                <a:tc>
-                  <a:txBody>
-                    <a:bodyPr/>
-                    <a:lstStyle/>
-                    <a:p>
-                      <a:r>
-                        <a:rPr lang="pt-BR" dirty="0"/>
-                        <a:t>Gerado automático</a:t>
-                      </a:r>
-                    </a:p>
-                  </a:txBody>
-                  <a:tcPr/>
-                </a:tc>
-                <a:extLst>
-                  <a:ext uri="{0D108BD9-81ED-4DB2-BD59-A6C34878D82A}">
-                    <a16:rowId xmlns:a16="http://schemas.microsoft.com/office/drawing/2014/main" val="2877848138"/>
-                  </a:ext>
-                </a:extLst>
-              </a:tr>
-              <a:tr h="370840">
-                <a:tc>
-                  <a:txBody>
-                    <a:bodyPr/>
-                    <a:lstStyle/>
-                    <a:p>
-                      <a:r>
-                        <a:rPr lang="pt-BR" dirty="0" err="1"/>
-                        <a:t>Tpi_nome</a:t>
-                      </a:r>
-                      <a:endParaRPr lang="pt-BR" dirty="0"/>
-                    </a:p>
-                  </a:txBody>
-                  <a:tcPr/>
-                </a:tc>
-                <a:tc>
-                  <a:txBody>
-                    <a:bodyPr/>
-                    <a:lstStyle/>
-                    <a:p>
-                      <a:r>
-                        <a:rPr lang="pt-BR" dirty="0" err="1"/>
-                        <a:t>Adimin</a:t>
-                      </a:r>
-                      <a:endParaRPr lang="pt-BR" dirty="0"/>
-                    </a:p>
-                  </a:txBody>
-                  <a:tcPr/>
-                </a:tc>
-                <a:extLst>
-                  <a:ext uri="{0D108BD9-81ED-4DB2-BD59-A6C34878D82A}">
-                    <a16:rowId xmlns:a16="http://schemas.microsoft.com/office/drawing/2014/main" val="416077864"/>
-                  </a:ext>
-                </a:extLst>
-              </a:tr>
-              <a:tr h="370840">
-                <a:tc>
-                  <a:txBody>
-                    <a:bodyPr/>
-                    <a:lstStyle/>
-                    <a:p>
-                      <a:r>
-                        <a:rPr lang="pt-BR" dirty="0" err="1"/>
-                        <a:t>Tpi_decricao</a:t>
-                      </a:r>
-                      <a:endParaRPr lang="pt-BR" dirty="0"/>
-                    </a:p>
-                  </a:txBody>
-                  <a:tcPr/>
-                </a:tc>
-                <a:tc>
-                  <a:txBody>
-                    <a:bodyPr/>
-                    <a:lstStyle/>
-                    <a:p>
-                      <a:r>
-                        <a:rPr lang="pt-BR" dirty="0"/>
-                        <a:t>Admin</a:t>
-                      </a:r>
-                    </a:p>
-                  </a:txBody>
-                  <a:tcPr/>
-                </a:tc>
-                <a:extLst>
-                  <a:ext uri="{0D108BD9-81ED-4DB2-BD59-A6C34878D82A}">
-                    <a16:rowId xmlns:a16="http://schemas.microsoft.com/office/drawing/2014/main" val="2762678463"/>
-                  </a:ext>
-                </a:extLst>
-              </a:tr>
-              <a:tr h="370840">
-                <a:tc>
-                  <a:txBody>
-                    <a:bodyPr/>
-                    <a:lstStyle/>
-                    <a:p>
-                      <a:r>
-                        <a:rPr lang="pt-BR" dirty="0" err="1"/>
-                        <a:t>Tpi_acesso</a:t>
-                      </a:r>
-                      <a:endParaRPr lang="pt-BR" dirty="0"/>
-                    </a:p>
-                  </a:txBody>
-                  <a:tcPr/>
-                </a:tc>
-                <a:tc>
-                  <a:txBody>
-                    <a:bodyPr/>
-                    <a:lstStyle/>
-                    <a:p>
-                      <a:r>
-                        <a:rPr lang="pt-BR" dirty="0"/>
-                        <a:t>exportado</a:t>
-                      </a:r>
-                    </a:p>
-                  </a:txBody>
-                  <a:tcPr/>
-                </a:tc>
-                <a:extLst>
-                  <a:ext uri="{0D108BD9-81ED-4DB2-BD59-A6C34878D82A}">
-                    <a16:rowId xmlns:a16="http://schemas.microsoft.com/office/drawing/2014/main" val="3678676757"/>
-                  </a:ext>
-                </a:extLst>
-              </a:tr>
-              <a:tr h="370840">
-                <a:tc>
-                  <a:txBody>
-                    <a:bodyPr/>
-                    <a:lstStyle/>
-                    <a:p>
-                      <a:endParaRPr lang="pt-BR"/>
-                    </a:p>
-                  </a:txBody>
-                  <a:tcPr/>
-                </a:tc>
-                <a:tc>
-                  <a:txBody>
-                    <a:bodyPr/>
-                    <a:lstStyle/>
-                    <a:p>
-                      <a:endParaRPr lang="pt-BR" dirty="0"/>
-                    </a:p>
-                  </a:txBody>
-                  <a:tcPr/>
-                </a:tc>
-                <a:extLst>
-                  <a:ext uri="{0D108BD9-81ED-4DB2-BD59-A6C34878D82A}">
-                    <a16:rowId xmlns:a16="http://schemas.microsoft.com/office/drawing/2014/main" val="689332446"/>
-                  </a:ext>
-                </a:extLst>
-              </a:tr>
-            </a:tbl>
-          </a:graphicData>
-        </a:graphic>
-      </p:graphicFrame>
-      <p:graphicFrame>
-        <p:nvGraphicFramePr>
-          <p:cNvPr id="3" name="Tabela 2">
-            <a:extLst>
-              <a:ext uri="{FF2B5EF4-FFF2-40B4-BE49-F238E27FC236}">
-                <a16:creationId xmlns:a16="http://schemas.microsoft.com/office/drawing/2014/main" id="{9F7B311C-15C9-499D-89D0-FD759359C0C7}"/>
-              </a:ext>
-            </a:extLst>
-          </p:cNvPr>
-          <p:cNvGraphicFramePr>
-            <a:graphicFrameLocks noGrp="1"/>
-          </p:cNvGraphicFramePr>
-          <p:nvPr>
-            <p:extLst>
-              <p:ext uri="{D42A27DB-BD31-4B8C-83A1-F6EECF244321}">
-                <p14:modId xmlns:p14="http://schemas.microsoft.com/office/powerpoint/2010/main" val="562356074"/>
-              </p:ext>
-            </p:extLst>
-          </p:nvPr>
-        </p:nvGraphicFramePr>
-        <p:xfrm>
-          <a:off x="6339840" y="2316480"/>
-          <a:ext cx="5260340" cy="2494280"/>
-        </p:xfrm>
-        <a:graphic>
-          <a:graphicData uri="http://schemas.openxmlformats.org/drawingml/2006/table">
-            <a:tbl>
-              <a:tblPr firstRow="1" bandRow="1">
-                <a:tableStyleId>{5C22544A-7EE6-4342-B048-85BDC9FD1C3A}</a:tableStyleId>
-              </a:tblPr>
-              <a:tblGrid>
-                <a:gridCol w="2630170">
-                  <a:extLst>
-                    <a:ext uri="{9D8B030D-6E8A-4147-A177-3AD203B41FA5}">
-                      <a16:colId xmlns:a16="http://schemas.microsoft.com/office/drawing/2014/main" val="2305028019"/>
-                    </a:ext>
-                  </a:extLst>
-                </a:gridCol>
-                <a:gridCol w="2630170">
-                  <a:extLst>
-                    <a:ext uri="{9D8B030D-6E8A-4147-A177-3AD203B41FA5}">
-                      <a16:colId xmlns:a16="http://schemas.microsoft.com/office/drawing/2014/main" val="207135817"/>
-                    </a:ext>
-                  </a:extLst>
-                </a:gridCol>
-              </a:tblGrid>
-              <a:tr h="370840">
-                <a:tc>
-                  <a:txBody>
-                    <a:bodyPr/>
-                    <a:lstStyle/>
-                    <a:p>
-                      <a:r>
-                        <a:rPr lang="pt-BR" dirty="0" err="1"/>
-                        <a:t>Tbl_Investimento</a:t>
-                      </a:r>
-                      <a:endParaRPr lang="pt-BR" dirty="0"/>
-                    </a:p>
-                  </a:txBody>
-                  <a:tcPr/>
-                </a:tc>
-                <a:tc>
-                  <a:txBody>
-                    <a:bodyPr/>
-                    <a:lstStyle/>
-                    <a:p>
-                      <a:endParaRPr lang="pt-BR" dirty="0"/>
-                    </a:p>
-                  </a:txBody>
-                  <a:tcPr/>
-                </a:tc>
-                <a:extLst>
-                  <a:ext uri="{0D108BD9-81ED-4DB2-BD59-A6C34878D82A}">
-                    <a16:rowId xmlns:a16="http://schemas.microsoft.com/office/drawing/2014/main" val="2413227068"/>
-                  </a:ext>
-                </a:extLst>
-              </a:tr>
-              <a:tr h="370840">
-                <a:tc>
-                  <a:txBody>
-                    <a:bodyPr/>
-                    <a:lstStyle/>
-                    <a:p>
-                      <a:r>
-                        <a:rPr lang="pt-BR" dirty="0" err="1"/>
-                        <a:t>Inv_cod</a:t>
-                      </a:r>
-                      <a:endParaRPr lang="pt-BR" dirty="0"/>
-                    </a:p>
-                  </a:txBody>
-                  <a:tcPr/>
-                </a:tc>
-                <a:tc>
-                  <a:txBody>
-                    <a:bodyPr/>
-                    <a:lstStyle/>
-                    <a:p>
-                      <a:r>
-                        <a:rPr lang="pt-BR" dirty="0"/>
-                        <a:t>Gerado automaticamente</a:t>
-                      </a:r>
-                    </a:p>
-                  </a:txBody>
-                  <a:tcPr/>
-                </a:tc>
-                <a:extLst>
-                  <a:ext uri="{0D108BD9-81ED-4DB2-BD59-A6C34878D82A}">
-                    <a16:rowId xmlns:a16="http://schemas.microsoft.com/office/drawing/2014/main" val="2877848138"/>
-                  </a:ext>
-                </a:extLst>
-              </a:tr>
-              <a:tr h="370840">
-                <a:tc>
-                  <a:txBody>
-                    <a:bodyPr/>
-                    <a:lstStyle/>
-                    <a:p>
-                      <a:r>
-                        <a:rPr lang="pt-BR" dirty="0" err="1"/>
-                        <a:t>Inv_User</a:t>
-                      </a:r>
-                      <a:endParaRPr lang="pt-BR" dirty="0"/>
-                    </a:p>
-                  </a:txBody>
-                  <a:tcPr/>
-                </a:tc>
-                <a:tc>
-                  <a:txBody>
-                    <a:bodyPr/>
-                    <a:lstStyle/>
-                    <a:p>
-                      <a:r>
-                        <a:rPr lang="pt-BR" dirty="0"/>
-                        <a:t>Exportado</a:t>
-                      </a:r>
-                    </a:p>
-                  </a:txBody>
-                  <a:tcPr/>
-                </a:tc>
-                <a:extLst>
-                  <a:ext uri="{0D108BD9-81ED-4DB2-BD59-A6C34878D82A}">
-                    <a16:rowId xmlns:a16="http://schemas.microsoft.com/office/drawing/2014/main" val="416077864"/>
-                  </a:ext>
-                </a:extLst>
-              </a:tr>
-              <a:tr h="370840">
-                <a:tc>
-                  <a:txBody>
-                    <a:bodyPr/>
-                    <a:lstStyle/>
-                    <a:p>
-                      <a:r>
-                        <a:rPr lang="pt-BR" dirty="0" err="1"/>
-                        <a:t>Inv_ideia</a:t>
-                      </a:r>
-                      <a:endParaRPr lang="pt-BR" dirty="0"/>
-                    </a:p>
-                  </a:txBody>
-                  <a:tcPr/>
-                </a:tc>
-                <a:tc>
-                  <a:txBody>
-                    <a:bodyPr/>
-                    <a:lstStyle/>
-                    <a:p>
-                      <a:r>
-                        <a:rPr lang="pt-BR" dirty="0"/>
-                        <a:t>Exportado</a:t>
-                      </a:r>
-                    </a:p>
-                  </a:txBody>
-                  <a:tcPr/>
-                </a:tc>
-                <a:extLst>
-                  <a:ext uri="{0D108BD9-81ED-4DB2-BD59-A6C34878D82A}">
-                    <a16:rowId xmlns:a16="http://schemas.microsoft.com/office/drawing/2014/main" val="2762678463"/>
-                  </a:ext>
-                </a:extLst>
-              </a:tr>
-              <a:tr h="370840">
-                <a:tc>
-                  <a:txBody>
-                    <a:bodyPr/>
-                    <a:lstStyle/>
-                    <a:p>
-                      <a:r>
-                        <a:rPr lang="pt-BR" dirty="0" err="1"/>
-                        <a:t>Inv_valor</a:t>
-                      </a:r>
-                      <a:endParaRPr lang="pt-BR" dirty="0"/>
-                    </a:p>
-                  </a:txBody>
-                  <a:tcPr/>
-                </a:tc>
-                <a:tc>
-                  <a:txBody>
-                    <a:bodyPr/>
-                    <a:lstStyle/>
-                    <a:p>
-                      <a:r>
-                        <a:rPr lang="pt-BR" dirty="0"/>
-                        <a:t>Usuário</a:t>
-                      </a:r>
-                    </a:p>
-                  </a:txBody>
-                  <a:tcPr/>
-                </a:tc>
-                <a:extLst>
-                  <a:ext uri="{0D108BD9-81ED-4DB2-BD59-A6C34878D82A}">
-                    <a16:rowId xmlns:a16="http://schemas.microsoft.com/office/drawing/2014/main" val="3678676757"/>
-                  </a:ext>
-                </a:extLst>
-              </a:tr>
-              <a:tr h="370840">
-                <a:tc>
-                  <a:txBody>
-                    <a:bodyPr/>
-                    <a:lstStyle/>
-                    <a:p>
-                      <a:endParaRPr lang="pt-BR"/>
-                    </a:p>
-                  </a:txBody>
-                  <a:tcPr/>
-                </a:tc>
-                <a:tc>
-                  <a:txBody>
-                    <a:bodyPr/>
-                    <a:lstStyle/>
-                    <a:p>
-                      <a:endParaRPr lang="pt-BR" dirty="0"/>
-                    </a:p>
-                  </a:txBody>
-                  <a:tcPr/>
-                </a:tc>
-                <a:extLst>
-                  <a:ext uri="{0D108BD9-81ED-4DB2-BD59-A6C34878D82A}">
-                    <a16:rowId xmlns:a16="http://schemas.microsoft.com/office/drawing/2014/main" val="689332446"/>
-                  </a:ext>
-                </a:extLst>
-              </a:tr>
-            </a:tbl>
-          </a:graphicData>
-        </a:graphic>
-      </p:graphicFrame>
-      <p:sp>
-        <p:nvSpPr>
-          <p:cNvPr id="4" name="Triângulo isósceles 3">
-            <a:hlinkClick r:id="rId2" action="ppaction://hlinksldjump"/>
-            <a:extLst>
-              <a:ext uri="{FF2B5EF4-FFF2-40B4-BE49-F238E27FC236}">
-                <a16:creationId xmlns:a16="http://schemas.microsoft.com/office/drawing/2014/main" id="{1F383500-EE8B-4E4B-914E-F4AC3A4B599A}"/>
-              </a:ext>
-            </a:extLst>
-          </p:cNvPr>
-          <p:cNvSpPr/>
-          <p:nvPr/>
-        </p:nvSpPr>
-        <p:spPr>
-          <a:xfrm rot="16200000">
-            <a:off x="947531" y="5442152"/>
-            <a:ext cx="781878" cy="834887"/>
-          </a:xfrm>
-          <a:prstGeom prst="triangle">
-            <a:avLst/>
-          </a:prstGeom>
-        </p:spPr>
-        <p:style>
-          <a:lnRef idx="2">
-            <a:schemeClr val="accent6"/>
-          </a:lnRef>
-          <a:fillRef idx="1">
-            <a:schemeClr val="lt1"/>
-          </a:fillRef>
-          <a:effectRef idx="0">
-            <a:schemeClr val="accent6"/>
-          </a:effectRef>
-          <a:fontRef idx="minor">
-            <a:schemeClr val="dk1"/>
-          </a:fontRef>
-        </p:style>
-        <p:txBody>
-          <a:bodyPr rtlCol="0" anchor="ctr"/>
-          <a:lstStyle/>
-          <a:p>
-            <a:pPr algn="ctr"/>
-            <a:endParaRPr lang="pt-BR"/>
-          </a:p>
-        </p:txBody>
-      </p:sp>
-    </p:spTree>
-    <p:extLst>
-      <p:ext uri="{BB962C8B-B14F-4D97-AF65-F5344CB8AC3E}">
-        <p14:creationId xmlns:p14="http://schemas.microsoft.com/office/powerpoint/2010/main" val="3784775566"/>
       </p:ext>
     </p:extLst>
   </p:cSld>
